--- a/Presentazione RASD.pptx
+++ b/Presentazione RASD.pptx
@@ -11,6 +11,17 @@
     <p:sldId id="259" r:id="rId5"/>
     <p:sldId id="260" r:id="rId6"/>
     <p:sldId id="261" r:id="rId7"/>
+    <p:sldId id="262" r:id="rId8"/>
+    <p:sldId id="273" r:id="rId9"/>
+    <p:sldId id="263" r:id="rId10"/>
+    <p:sldId id="264" r:id="rId11"/>
+    <p:sldId id="265" r:id="rId12"/>
+    <p:sldId id="266" r:id="rId13"/>
+    <p:sldId id="267" r:id="rId14"/>
+    <p:sldId id="268" r:id="rId15"/>
+    <p:sldId id="270" r:id="rId16"/>
+    <p:sldId id="271" r:id="rId17"/>
+    <p:sldId id="272" r:id="rId18"/>
   </p:sldIdLst>
   <p:sldSz cx="9144000" cy="6858000" type="screen4x3"/>
   <p:notesSz cx="6858000" cy="9144000"/>
@@ -3080,14 +3091,14 @@
           <a:lstStyle/>
           <a:p>
             <a:r>
-              <a:rPr lang="it-IT" dirty="0" smtClean="0"/>
+              <a:rPr lang="it-IT" b="1" dirty="0" smtClean="0"/>
               <a:t>IDS2: RASD </a:t>
             </a:r>
             <a:r>
-              <a:rPr lang="it-IT" dirty="0" err="1" smtClean="0"/>
+              <a:rPr lang="it-IT" b="1" dirty="0" err="1" smtClean="0"/>
               <a:t>presentation</a:t>
             </a:r>
-            <a:endParaRPr lang="it-IT" dirty="0"/>
+            <a:endParaRPr lang="it-IT" b="1" dirty="0"/>
           </a:p>
         </p:txBody>
       </p:sp>
@@ -3175,6 +3186,2184 @@
 </p:sld>
 </file>
 
+<file path=ppt/slides/slide10.xml><?xml version="1.0" encoding="utf-8"?>
+<p:sld xmlns:a="http://schemas.openxmlformats.org/drawingml/2006/main" xmlns:r="http://schemas.openxmlformats.org/officeDocument/2006/relationships" xmlns:p="http://schemas.openxmlformats.org/presentationml/2006/main">
+  <p:cSld>
+    <p:spTree>
+      <p:nvGrpSpPr>
+        <p:cNvPr id="1" name=""/>
+        <p:cNvGrpSpPr/>
+        <p:nvPr/>
+      </p:nvGrpSpPr>
+      <p:grpSpPr>
+        <a:xfrm>
+          <a:off x="0" y="0"/>
+          <a:ext cx="0" cy="0"/>
+          <a:chOff x="0" y="0"/>
+          <a:chExt cx="0" cy="0"/>
+        </a:xfrm>
+      </p:grpSpPr>
+      <p:sp>
+        <p:nvSpPr>
+          <p:cNvPr id="2" name="Titolo 1"/>
+          <p:cNvSpPr>
+            <a:spLocks noGrp="1"/>
+          </p:cNvSpPr>
+          <p:nvPr>
+            <p:ph type="title"/>
+          </p:nvPr>
+        </p:nvSpPr>
+        <p:spPr/>
+        <p:txBody>
+          <a:bodyPr/>
+          <a:lstStyle/>
+          <a:p>
+            <a:r>
+              <a:rPr lang="it-IT" b="1" dirty="0" smtClean="0"/>
+              <a:t>Standard </a:t>
+            </a:r>
+            <a:r>
+              <a:rPr lang="it-IT" b="1" dirty="0" err="1" smtClean="0"/>
+              <a:t>Call</a:t>
+            </a:r>
+            <a:r>
+              <a:rPr lang="it-IT" b="1" dirty="0" smtClean="0"/>
+              <a:t> – </a:t>
+            </a:r>
+            <a:r>
+              <a:rPr lang="it-IT" b="1" dirty="0" err="1" smtClean="0"/>
+              <a:t>Use</a:t>
+            </a:r>
+            <a:r>
+              <a:rPr lang="it-IT" b="1" dirty="0" smtClean="0"/>
+              <a:t> Case </a:t>
+            </a:r>
+            <a:r>
+              <a:rPr lang="it-IT" b="1" dirty="0" err="1" smtClean="0"/>
+              <a:t>Diagram</a:t>
+            </a:r>
+            <a:endParaRPr lang="it-IT" b="1" dirty="0"/>
+          </a:p>
+        </p:txBody>
+      </p:sp>
+      <p:pic>
+        <p:nvPicPr>
+          <p:cNvPr id="3" name="Immagine 2" descr="DiagrammadeiCasidUso1.png"/>
+          <p:cNvPicPr>
+            <a:picLocks noChangeAspect="1"/>
+          </p:cNvPicPr>
+          <p:nvPr/>
+        </p:nvPicPr>
+        <p:blipFill>
+          <a:blip r:embed="rId2" cstate="print"/>
+          <a:stretch>
+            <a:fillRect/>
+          </a:stretch>
+        </p:blipFill>
+        <p:spPr>
+          <a:xfrm>
+            <a:off x="63946" y="1568921"/>
+            <a:ext cx="8972550" cy="4524375"/>
+          </a:xfrm>
+          <a:prstGeom prst="rect">
+            <a:avLst/>
+          </a:prstGeom>
+        </p:spPr>
+      </p:pic>
+    </p:spTree>
+  </p:cSld>
+  <p:clrMapOvr>
+    <a:masterClrMapping/>
+  </p:clrMapOvr>
+</p:sld>
+</file>
+
+<file path=ppt/slides/slide11.xml><?xml version="1.0" encoding="utf-8"?>
+<p:sld xmlns:a="http://schemas.openxmlformats.org/drawingml/2006/main" xmlns:r="http://schemas.openxmlformats.org/officeDocument/2006/relationships" xmlns:p="http://schemas.openxmlformats.org/presentationml/2006/main">
+  <p:cSld>
+    <p:spTree>
+      <p:nvGrpSpPr>
+        <p:cNvPr id="1" name=""/>
+        <p:cNvGrpSpPr/>
+        <p:nvPr/>
+      </p:nvGrpSpPr>
+      <p:grpSpPr>
+        <a:xfrm>
+          <a:off x="0" y="0"/>
+          <a:ext cx="0" cy="0"/>
+          <a:chOff x="0" y="0"/>
+          <a:chExt cx="0" cy="0"/>
+        </a:xfrm>
+      </p:grpSpPr>
+      <p:sp>
+        <p:nvSpPr>
+          <p:cNvPr id="2" name="Titolo 1"/>
+          <p:cNvSpPr>
+            <a:spLocks noGrp="1"/>
+          </p:cNvSpPr>
+          <p:nvPr>
+            <p:ph type="title"/>
+          </p:nvPr>
+        </p:nvSpPr>
+        <p:spPr/>
+        <p:txBody>
+          <a:bodyPr/>
+          <a:lstStyle/>
+          <a:p>
+            <a:r>
+              <a:rPr lang="it-IT" b="1" dirty="0" smtClean="0"/>
+              <a:t>Standard </a:t>
+            </a:r>
+            <a:r>
+              <a:rPr lang="it-IT" b="1" dirty="0" err="1" smtClean="0"/>
+              <a:t>Call</a:t>
+            </a:r>
+            <a:r>
+              <a:rPr lang="it-IT" b="1" dirty="0" smtClean="0"/>
+              <a:t> - UML</a:t>
+            </a:r>
+            <a:endParaRPr lang="it-IT" b="1" dirty="0"/>
+          </a:p>
+        </p:txBody>
+      </p:sp>
+      <p:pic>
+        <p:nvPicPr>
+          <p:cNvPr id="22530" name="Picture 2"/>
+          <p:cNvPicPr>
+            <a:picLocks noChangeAspect="1" noChangeArrowheads="1"/>
+          </p:cNvPicPr>
+          <p:nvPr/>
+        </p:nvPicPr>
+        <p:blipFill>
+          <a:blip r:embed="rId2" cstate="print"/>
+          <a:srcRect/>
+          <a:stretch>
+            <a:fillRect/>
+          </a:stretch>
+        </p:blipFill>
+        <p:spPr bwMode="auto">
+          <a:xfrm>
+            <a:off x="49143" y="1900301"/>
+            <a:ext cx="9059361" cy="3328899"/>
+          </a:xfrm>
+          <a:prstGeom prst="rect">
+            <a:avLst/>
+          </a:prstGeom>
+          <a:noFill/>
+          <a:ln w="9525">
+            <a:noFill/>
+            <a:miter lim="800000"/>
+            <a:headEnd/>
+            <a:tailEnd/>
+          </a:ln>
+        </p:spPr>
+      </p:pic>
+    </p:spTree>
+  </p:cSld>
+  <p:clrMapOvr>
+    <a:masterClrMapping/>
+  </p:clrMapOvr>
+</p:sld>
+</file>
+
+<file path=ppt/slides/slide12.xml><?xml version="1.0" encoding="utf-8"?>
+<p:sld xmlns:a="http://schemas.openxmlformats.org/drawingml/2006/main" xmlns:r="http://schemas.openxmlformats.org/officeDocument/2006/relationships" xmlns:p="http://schemas.openxmlformats.org/presentationml/2006/main">
+  <p:cSld>
+    <p:spTree>
+      <p:nvGrpSpPr>
+        <p:cNvPr id="1" name=""/>
+        <p:cNvGrpSpPr/>
+        <p:nvPr/>
+      </p:nvGrpSpPr>
+      <p:grpSpPr>
+        <a:xfrm>
+          <a:off x="0" y="0"/>
+          <a:ext cx="0" cy="0"/>
+          <a:chOff x="0" y="0"/>
+          <a:chExt cx="0" cy="0"/>
+        </a:xfrm>
+      </p:grpSpPr>
+      <p:sp>
+        <p:nvSpPr>
+          <p:cNvPr id="2" name="Titolo 1"/>
+          <p:cNvSpPr>
+            <a:spLocks noGrp="1"/>
+          </p:cNvSpPr>
+          <p:nvPr>
+            <p:ph type="title"/>
+          </p:nvPr>
+        </p:nvSpPr>
+        <p:spPr/>
+        <p:txBody>
+          <a:bodyPr/>
+          <a:lstStyle/>
+          <a:p>
+            <a:r>
+              <a:rPr lang="it-IT" b="1" dirty="0" smtClean="0"/>
+              <a:t>Standard </a:t>
+            </a:r>
+            <a:r>
+              <a:rPr lang="it-IT" b="1" dirty="0" err="1" smtClean="0"/>
+              <a:t>Call</a:t>
+            </a:r>
+            <a:r>
+              <a:rPr lang="it-IT" b="1" dirty="0" smtClean="0"/>
+              <a:t> – </a:t>
+            </a:r>
+            <a:r>
+              <a:rPr lang="it-IT" b="1" dirty="0" err="1" smtClean="0"/>
+              <a:t>Sequence</a:t>
+            </a:r>
+            <a:r>
+              <a:rPr lang="it-IT" b="1" dirty="0" smtClean="0"/>
+              <a:t> </a:t>
+            </a:r>
+            <a:r>
+              <a:rPr lang="it-IT" b="1" dirty="0" err="1" smtClean="0"/>
+              <a:t>Diagram</a:t>
+            </a:r>
+            <a:endParaRPr lang="it-IT" b="1" dirty="0"/>
+          </a:p>
+        </p:txBody>
+      </p:sp>
+      <p:pic>
+        <p:nvPicPr>
+          <p:cNvPr id="23554" name="Picture 2"/>
+          <p:cNvPicPr>
+            <a:picLocks noChangeAspect="1" noChangeArrowheads="1"/>
+          </p:cNvPicPr>
+          <p:nvPr/>
+        </p:nvPicPr>
+        <p:blipFill>
+          <a:blip r:embed="rId2" cstate="print"/>
+          <a:srcRect/>
+          <a:stretch>
+            <a:fillRect/>
+          </a:stretch>
+        </p:blipFill>
+        <p:spPr bwMode="auto">
+          <a:xfrm>
+            <a:off x="1475656" y="1412776"/>
+            <a:ext cx="6299448" cy="5029213"/>
+          </a:xfrm>
+          <a:prstGeom prst="rect">
+            <a:avLst/>
+          </a:prstGeom>
+          <a:noFill/>
+          <a:ln w="9525">
+            <a:noFill/>
+            <a:miter lim="800000"/>
+            <a:headEnd/>
+            <a:tailEnd/>
+          </a:ln>
+        </p:spPr>
+      </p:pic>
+    </p:spTree>
+  </p:cSld>
+  <p:clrMapOvr>
+    <a:masterClrMapping/>
+  </p:clrMapOvr>
+</p:sld>
+</file>
+
+<file path=ppt/slides/slide13.xml><?xml version="1.0" encoding="utf-8"?>
+<p:sld xmlns:a="http://schemas.openxmlformats.org/drawingml/2006/main" xmlns:r="http://schemas.openxmlformats.org/officeDocument/2006/relationships" xmlns:p="http://schemas.openxmlformats.org/presentationml/2006/main">
+  <p:cSld>
+    <p:spTree>
+      <p:nvGrpSpPr>
+        <p:cNvPr id="1" name=""/>
+        <p:cNvGrpSpPr/>
+        <p:nvPr/>
+      </p:nvGrpSpPr>
+      <p:grpSpPr>
+        <a:xfrm>
+          <a:off x="0" y="0"/>
+          <a:ext cx="0" cy="0"/>
+          <a:chOff x="0" y="0"/>
+          <a:chExt cx="0" cy="0"/>
+        </a:xfrm>
+      </p:grpSpPr>
+      <p:sp>
+        <p:nvSpPr>
+          <p:cNvPr id="2" name="Titolo 1"/>
+          <p:cNvSpPr>
+            <a:spLocks noGrp="1"/>
+          </p:cNvSpPr>
+          <p:nvPr>
+            <p:ph type="title"/>
+          </p:nvPr>
+        </p:nvSpPr>
+        <p:spPr/>
+        <p:txBody>
+          <a:bodyPr/>
+          <a:lstStyle/>
+          <a:p>
+            <a:r>
+              <a:rPr lang="it-IT" b="1" dirty="0" err="1" smtClean="0"/>
+              <a:t>Shared</a:t>
+            </a:r>
+            <a:r>
+              <a:rPr lang="it-IT" b="1" dirty="0" smtClean="0"/>
+              <a:t> </a:t>
+            </a:r>
+            <a:r>
+              <a:rPr lang="it-IT" b="1" dirty="0" err="1" smtClean="0"/>
+              <a:t>Call</a:t>
+            </a:r>
+            <a:r>
+              <a:rPr lang="it-IT" b="1" dirty="0" smtClean="0"/>
+              <a:t> - </a:t>
+            </a:r>
+            <a:r>
+              <a:rPr lang="it-IT" b="1" dirty="0" err="1" smtClean="0"/>
+              <a:t>Use</a:t>
+            </a:r>
+            <a:r>
+              <a:rPr lang="it-IT" b="1" dirty="0" smtClean="0"/>
+              <a:t> Case</a:t>
+            </a:r>
+            <a:endParaRPr lang="it-IT" b="1" dirty="0"/>
+          </a:p>
+        </p:txBody>
+      </p:sp>
+      <p:graphicFrame>
+        <p:nvGraphicFramePr>
+          <p:cNvPr id="6" name="Tabella 5"/>
+          <p:cNvGraphicFramePr>
+            <a:graphicFrameLocks noGrp="1"/>
+          </p:cNvGraphicFramePr>
+          <p:nvPr/>
+        </p:nvGraphicFramePr>
+        <p:xfrm>
+          <a:off x="395536" y="1340768"/>
+          <a:ext cx="8352928" cy="5202734"/>
+        </p:xfrm>
+        <a:graphic>
+          <a:graphicData uri="http://schemas.openxmlformats.org/drawingml/2006/table">
+            <a:tbl>
+              <a:tblPr/>
+              <a:tblGrid>
+                <a:gridCol w="1701523"/>
+                <a:gridCol w="6651405"/>
+              </a:tblGrid>
+              <a:tr h="338474">
+                <a:tc>
+                  <a:txBody>
+                    <a:bodyPr/>
+                    <a:lstStyle/>
+                    <a:p>
+                      <a:pPr>
+                        <a:spcAft>
+                          <a:spcPts val="0"/>
+                        </a:spcAft>
+                      </a:pPr>
+                      <a:r>
+                        <a:rPr lang="it-IT" sz="1800" b="1" kern="150" dirty="0" err="1">
+                          <a:latin typeface="+mj-lt"/>
+                          <a:ea typeface="Droid Sans Fallback"/>
+                          <a:cs typeface="FreeSans"/>
+                        </a:rPr>
+                        <a:t>Name</a:t>
+                      </a:r>
+                      <a:endParaRPr lang="it-IT" sz="1800" b="1" kern="150" dirty="0">
+                        <a:latin typeface="+mj-lt"/>
+                        <a:ea typeface="Droid Sans Fallback"/>
+                        <a:cs typeface="FreeSans"/>
+                      </a:endParaRPr>
+                    </a:p>
+                  </a:txBody>
+                  <a:tcPr marL="27432" marR="27432" marT="27432" marB="27432">
+                    <a:lnL w="12700" cap="flat" cmpd="sng" algn="ctr">
+                      <a:solidFill>
+                        <a:srgbClr val="000000"/>
+                      </a:solidFill>
+                      <a:prstDash val="solid"/>
+                      <a:round/>
+                      <a:headEnd type="none" w="med" len="med"/>
+                      <a:tailEnd type="none" w="med" len="med"/>
+                    </a:lnL>
+                    <a:lnR w="12700" cap="flat" cmpd="sng" algn="ctr">
+                      <a:solidFill>
+                        <a:srgbClr val="000000"/>
+                      </a:solidFill>
+                      <a:prstDash val="solid"/>
+                      <a:round/>
+                      <a:headEnd type="none" w="med" len="med"/>
+                      <a:tailEnd type="none" w="med" len="med"/>
+                    </a:lnR>
+                    <a:lnT w="12700" cap="flat" cmpd="sng" algn="ctr">
+                      <a:solidFill>
+                        <a:srgbClr val="000000"/>
+                      </a:solidFill>
+                      <a:prstDash val="solid"/>
+                      <a:round/>
+                      <a:headEnd type="none" w="med" len="med"/>
+                      <a:tailEnd type="none" w="med" len="med"/>
+                    </a:lnT>
+                    <a:lnB w="12700" cap="flat" cmpd="sng" algn="ctr">
+                      <a:solidFill>
+                        <a:srgbClr val="000000"/>
+                      </a:solidFill>
+                      <a:prstDash val="solid"/>
+                      <a:round/>
+                      <a:headEnd type="none" w="med" len="med"/>
+                      <a:tailEnd type="none" w="med" len="med"/>
+                    </a:lnB>
+                  </a:tcPr>
+                </a:tc>
+                <a:tc>
+                  <a:txBody>
+                    <a:bodyPr/>
+                    <a:lstStyle/>
+                    <a:p>
+                      <a:pPr>
+                        <a:spcAft>
+                          <a:spcPts val="0"/>
+                        </a:spcAft>
+                      </a:pPr>
+                      <a:r>
+                        <a:rPr lang="it-IT" sz="1100" kern="1200" baseline="0" dirty="0" err="1" smtClean="0">
+                          <a:solidFill>
+                            <a:schemeClr val="tx1"/>
+                          </a:solidFill>
+                          <a:latin typeface="+mn-lt"/>
+                          <a:ea typeface="+mn-ea"/>
+                          <a:cs typeface="+mn-cs"/>
+                        </a:rPr>
+                        <a:t>Shared</a:t>
+                      </a:r>
+                      <a:r>
+                        <a:rPr lang="it-IT" sz="1100" kern="1200" baseline="0" dirty="0" smtClean="0">
+                          <a:solidFill>
+                            <a:schemeClr val="tx1"/>
+                          </a:solidFill>
+                          <a:latin typeface="+mn-lt"/>
+                          <a:ea typeface="+mn-ea"/>
+                          <a:cs typeface="+mn-cs"/>
+                        </a:rPr>
+                        <a:t> taxi </a:t>
+                      </a:r>
+                      <a:r>
+                        <a:rPr lang="it-IT" sz="1100" kern="1200" baseline="0" dirty="0" err="1" smtClean="0">
+                          <a:solidFill>
+                            <a:schemeClr val="tx1"/>
+                          </a:solidFill>
+                          <a:latin typeface="+mn-lt"/>
+                          <a:ea typeface="+mn-ea"/>
+                          <a:cs typeface="+mn-cs"/>
+                        </a:rPr>
+                        <a:t>request</a:t>
+                      </a:r>
+                      <a:endParaRPr lang="it-IT" sz="1100" kern="150" dirty="0">
+                        <a:latin typeface="+mn-lt"/>
+                        <a:ea typeface="Droid Sans Fallback"/>
+                        <a:cs typeface="FreeSans"/>
+                      </a:endParaRPr>
+                    </a:p>
+                  </a:txBody>
+                  <a:tcPr marL="27432" marR="27432" marT="27432" marB="27432">
+                    <a:lnL w="12700" cap="flat" cmpd="sng" algn="ctr">
+                      <a:solidFill>
+                        <a:srgbClr val="000000"/>
+                      </a:solidFill>
+                      <a:prstDash val="solid"/>
+                      <a:round/>
+                      <a:headEnd type="none" w="med" len="med"/>
+                      <a:tailEnd type="none" w="med" len="med"/>
+                    </a:lnL>
+                    <a:lnR w="12700" cap="flat" cmpd="sng" algn="ctr">
+                      <a:solidFill>
+                        <a:srgbClr val="000000"/>
+                      </a:solidFill>
+                      <a:prstDash val="solid"/>
+                      <a:round/>
+                      <a:headEnd type="none" w="med" len="med"/>
+                      <a:tailEnd type="none" w="med" len="med"/>
+                    </a:lnR>
+                    <a:lnT w="12700" cap="flat" cmpd="sng" algn="ctr">
+                      <a:solidFill>
+                        <a:srgbClr val="000000"/>
+                      </a:solidFill>
+                      <a:prstDash val="solid"/>
+                      <a:round/>
+                      <a:headEnd type="none" w="med" len="med"/>
+                      <a:tailEnd type="none" w="med" len="med"/>
+                    </a:lnT>
+                    <a:lnB w="12700" cap="flat" cmpd="sng" algn="ctr">
+                      <a:solidFill>
+                        <a:srgbClr val="000000"/>
+                      </a:solidFill>
+                      <a:prstDash val="solid"/>
+                      <a:round/>
+                      <a:headEnd type="none" w="med" len="med"/>
+                      <a:tailEnd type="none" w="med" len="med"/>
+                    </a:lnB>
+                  </a:tcPr>
+                </a:tc>
+              </a:tr>
+              <a:tr h="338474">
+                <a:tc>
+                  <a:txBody>
+                    <a:bodyPr/>
+                    <a:lstStyle/>
+                    <a:p>
+                      <a:pPr>
+                        <a:spcAft>
+                          <a:spcPts val="0"/>
+                        </a:spcAft>
+                      </a:pPr>
+                      <a:r>
+                        <a:rPr lang="it-IT" sz="1800" b="1" kern="150">
+                          <a:latin typeface="+mj-lt"/>
+                          <a:ea typeface="Droid Sans Fallback"/>
+                          <a:cs typeface="FreeSans"/>
+                        </a:rPr>
+                        <a:t>Actors</a:t>
+                      </a:r>
+                    </a:p>
+                  </a:txBody>
+                  <a:tcPr marL="27432" marR="27432" marT="27432" marB="27432">
+                    <a:lnL w="12700" cap="flat" cmpd="sng" algn="ctr">
+                      <a:solidFill>
+                        <a:srgbClr val="000000"/>
+                      </a:solidFill>
+                      <a:prstDash val="solid"/>
+                      <a:round/>
+                      <a:headEnd type="none" w="med" len="med"/>
+                      <a:tailEnd type="none" w="med" len="med"/>
+                    </a:lnL>
+                    <a:lnR w="12700" cap="flat" cmpd="sng" algn="ctr">
+                      <a:solidFill>
+                        <a:srgbClr val="000000"/>
+                      </a:solidFill>
+                      <a:prstDash val="solid"/>
+                      <a:round/>
+                      <a:headEnd type="none" w="med" len="med"/>
+                      <a:tailEnd type="none" w="med" len="med"/>
+                    </a:lnR>
+                    <a:lnT w="12700" cap="flat" cmpd="sng" algn="ctr">
+                      <a:solidFill>
+                        <a:srgbClr val="000000"/>
+                      </a:solidFill>
+                      <a:prstDash val="solid"/>
+                      <a:round/>
+                      <a:headEnd type="none" w="med" len="med"/>
+                      <a:tailEnd type="none" w="med" len="med"/>
+                    </a:lnT>
+                    <a:lnB w="12700" cap="flat" cmpd="sng" algn="ctr">
+                      <a:solidFill>
+                        <a:srgbClr val="000000"/>
+                      </a:solidFill>
+                      <a:prstDash val="solid"/>
+                      <a:round/>
+                      <a:headEnd type="none" w="med" len="med"/>
+                      <a:tailEnd type="none" w="med" len="med"/>
+                    </a:lnB>
+                  </a:tcPr>
+                </a:tc>
+                <a:tc>
+                  <a:txBody>
+                    <a:bodyPr/>
+                    <a:lstStyle/>
+                    <a:p>
+                      <a:pPr>
+                        <a:spcAft>
+                          <a:spcPts val="0"/>
+                        </a:spcAft>
+                      </a:pPr>
+                      <a:r>
+                        <a:rPr lang="it-IT" sz="1100" kern="1200" baseline="0" dirty="0" smtClean="0">
+                          <a:solidFill>
+                            <a:schemeClr val="tx1"/>
+                          </a:solidFill>
+                          <a:latin typeface="+mn-lt"/>
+                          <a:ea typeface="+mn-ea"/>
+                          <a:cs typeface="+mn-cs"/>
+                        </a:rPr>
+                        <a:t>Taxi Driver, user1, user2, </a:t>
+                      </a:r>
+                      <a:r>
+                        <a:rPr lang="it-IT" sz="1100" kern="1200" baseline="0" dirty="0" err="1" smtClean="0">
+                          <a:solidFill>
+                            <a:schemeClr val="tx1"/>
+                          </a:solidFill>
+                          <a:latin typeface="+mn-lt"/>
+                          <a:ea typeface="+mn-ea"/>
+                          <a:cs typeface="+mn-cs"/>
+                        </a:rPr>
+                        <a:t>user</a:t>
+                      </a:r>
+                      <a:r>
+                        <a:rPr lang="it-IT" sz="1100" kern="1200" baseline="0" dirty="0" smtClean="0">
+                          <a:solidFill>
+                            <a:schemeClr val="tx1"/>
+                          </a:solidFill>
+                          <a:latin typeface="+mn-lt"/>
+                          <a:ea typeface="+mn-ea"/>
+                          <a:cs typeface="+mn-cs"/>
+                        </a:rPr>
+                        <a:t> 3, </a:t>
+                      </a:r>
+                      <a:r>
+                        <a:rPr lang="it-IT" sz="1100" kern="1200" baseline="0" dirty="0" err="1" smtClean="0">
+                          <a:solidFill>
+                            <a:schemeClr val="tx1"/>
+                          </a:solidFill>
+                          <a:latin typeface="+mn-lt"/>
+                          <a:ea typeface="+mn-ea"/>
+                          <a:cs typeface="+mn-cs"/>
+                        </a:rPr>
+                        <a:t>taximeter</a:t>
+                      </a:r>
+                      <a:endParaRPr lang="it-IT" sz="1100" kern="150" dirty="0">
+                        <a:latin typeface="+mn-lt"/>
+                        <a:ea typeface="Droid Sans Fallback"/>
+                        <a:cs typeface="FreeSans"/>
+                      </a:endParaRPr>
+                    </a:p>
+                  </a:txBody>
+                  <a:tcPr marL="27432" marR="27432" marT="27432" marB="27432">
+                    <a:lnL w="12700" cap="flat" cmpd="sng" algn="ctr">
+                      <a:solidFill>
+                        <a:srgbClr val="000000"/>
+                      </a:solidFill>
+                      <a:prstDash val="solid"/>
+                      <a:round/>
+                      <a:headEnd type="none" w="med" len="med"/>
+                      <a:tailEnd type="none" w="med" len="med"/>
+                    </a:lnL>
+                    <a:lnR w="12700" cap="flat" cmpd="sng" algn="ctr">
+                      <a:solidFill>
+                        <a:srgbClr val="000000"/>
+                      </a:solidFill>
+                      <a:prstDash val="solid"/>
+                      <a:round/>
+                      <a:headEnd type="none" w="med" len="med"/>
+                      <a:tailEnd type="none" w="med" len="med"/>
+                    </a:lnR>
+                    <a:lnT w="12700" cap="flat" cmpd="sng" algn="ctr">
+                      <a:solidFill>
+                        <a:srgbClr val="000000"/>
+                      </a:solidFill>
+                      <a:prstDash val="solid"/>
+                      <a:round/>
+                      <a:headEnd type="none" w="med" len="med"/>
+                      <a:tailEnd type="none" w="med" len="med"/>
+                    </a:lnT>
+                    <a:lnB w="12700" cap="flat" cmpd="sng" algn="ctr">
+                      <a:solidFill>
+                        <a:srgbClr val="000000"/>
+                      </a:solidFill>
+                      <a:prstDash val="solid"/>
+                      <a:round/>
+                      <a:headEnd type="none" w="med" len="med"/>
+                      <a:tailEnd type="none" w="med" len="med"/>
+                    </a:lnB>
+                  </a:tcPr>
+                </a:tc>
+              </a:tr>
+              <a:tr h="416245">
+                <a:tc>
+                  <a:txBody>
+                    <a:bodyPr/>
+                    <a:lstStyle/>
+                    <a:p>
+                      <a:pPr>
+                        <a:spcAft>
+                          <a:spcPts val="0"/>
+                        </a:spcAft>
+                      </a:pPr>
+                      <a:r>
+                        <a:rPr lang="it-IT" sz="1800" b="1" kern="150">
+                          <a:latin typeface="+mj-lt"/>
+                          <a:ea typeface="Droid Sans Fallback"/>
+                          <a:cs typeface="FreeSans"/>
+                        </a:rPr>
+                        <a:t>Entry conditions</a:t>
+                      </a:r>
+                    </a:p>
+                  </a:txBody>
+                  <a:tcPr marL="27432" marR="27432" marT="27432" marB="27432">
+                    <a:lnL w="12700" cap="flat" cmpd="sng" algn="ctr">
+                      <a:solidFill>
+                        <a:srgbClr val="000000"/>
+                      </a:solidFill>
+                      <a:prstDash val="solid"/>
+                      <a:round/>
+                      <a:headEnd type="none" w="med" len="med"/>
+                      <a:tailEnd type="none" w="med" len="med"/>
+                    </a:lnL>
+                    <a:lnR w="12700" cap="flat" cmpd="sng" algn="ctr">
+                      <a:solidFill>
+                        <a:srgbClr val="000000"/>
+                      </a:solidFill>
+                      <a:prstDash val="solid"/>
+                      <a:round/>
+                      <a:headEnd type="none" w="med" len="med"/>
+                      <a:tailEnd type="none" w="med" len="med"/>
+                    </a:lnR>
+                    <a:lnT w="12700" cap="flat" cmpd="sng" algn="ctr">
+                      <a:solidFill>
+                        <a:srgbClr val="000000"/>
+                      </a:solidFill>
+                      <a:prstDash val="solid"/>
+                      <a:round/>
+                      <a:headEnd type="none" w="med" len="med"/>
+                      <a:tailEnd type="none" w="med" len="med"/>
+                    </a:lnT>
+                    <a:lnB w="12700" cap="flat" cmpd="sng" algn="ctr">
+                      <a:solidFill>
+                        <a:srgbClr val="000000"/>
+                      </a:solidFill>
+                      <a:prstDash val="solid"/>
+                      <a:round/>
+                      <a:headEnd type="none" w="med" len="med"/>
+                      <a:tailEnd type="none" w="med" len="med"/>
+                    </a:lnB>
+                  </a:tcPr>
+                </a:tc>
+                <a:tc>
+                  <a:txBody>
+                    <a:bodyPr/>
+                    <a:lstStyle/>
+                    <a:p>
+                      <a:r>
+                        <a:rPr lang="en-US" sz="1100" kern="1200" baseline="0" dirty="0" smtClean="0">
+                          <a:solidFill>
+                            <a:schemeClr val="tx1"/>
+                          </a:solidFill>
+                          <a:latin typeface="+mn-lt"/>
+                          <a:ea typeface="+mn-ea"/>
+                          <a:cs typeface="+mn-cs"/>
+                        </a:rPr>
+                        <a:t>User1, user 2 and user 3 have requests a taxi in the same zone, have the sharing option active and must to go in the </a:t>
+                      </a:r>
+                      <a:r>
+                        <a:rPr lang="it-IT" sz="1100" kern="1200" baseline="0" dirty="0" err="1" smtClean="0">
+                          <a:solidFill>
+                            <a:schemeClr val="tx1"/>
+                          </a:solidFill>
+                          <a:latin typeface="+mn-lt"/>
+                          <a:ea typeface="+mn-ea"/>
+                          <a:cs typeface="+mn-cs"/>
+                        </a:rPr>
+                        <a:t>same</a:t>
+                      </a:r>
+                      <a:r>
+                        <a:rPr lang="it-IT" sz="1100" kern="1200" baseline="0" dirty="0" smtClean="0">
+                          <a:solidFill>
+                            <a:schemeClr val="tx1"/>
+                          </a:solidFill>
+                          <a:latin typeface="+mn-lt"/>
+                          <a:ea typeface="+mn-ea"/>
+                          <a:cs typeface="+mn-cs"/>
+                        </a:rPr>
+                        <a:t> direction</a:t>
+                      </a:r>
+                      <a:endParaRPr lang="it-IT" sz="1100" kern="150" dirty="0">
+                        <a:latin typeface="+mn-lt"/>
+                        <a:ea typeface="Droid Sans Fallback"/>
+                        <a:cs typeface="FreeSans"/>
+                      </a:endParaRPr>
+                    </a:p>
+                  </a:txBody>
+                  <a:tcPr marL="27432" marR="27432" marT="27432" marB="27432">
+                    <a:lnL w="12700" cap="flat" cmpd="sng" algn="ctr">
+                      <a:solidFill>
+                        <a:srgbClr val="000000"/>
+                      </a:solidFill>
+                      <a:prstDash val="solid"/>
+                      <a:round/>
+                      <a:headEnd type="none" w="med" len="med"/>
+                      <a:tailEnd type="none" w="med" len="med"/>
+                    </a:lnL>
+                    <a:lnR w="12700" cap="flat" cmpd="sng" algn="ctr">
+                      <a:solidFill>
+                        <a:srgbClr val="000000"/>
+                      </a:solidFill>
+                      <a:prstDash val="solid"/>
+                      <a:round/>
+                      <a:headEnd type="none" w="med" len="med"/>
+                      <a:tailEnd type="none" w="med" len="med"/>
+                    </a:lnR>
+                    <a:lnT w="12700" cap="flat" cmpd="sng" algn="ctr">
+                      <a:solidFill>
+                        <a:srgbClr val="000000"/>
+                      </a:solidFill>
+                      <a:prstDash val="solid"/>
+                      <a:round/>
+                      <a:headEnd type="none" w="med" len="med"/>
+                      <a:tailEnd type="none" w="med" len="med"/>
+                    </a:lnT>
+                    <a:lnB w="12700" cap="flat" cmpd="sng" algn="ctr">
+                      <a:solidFill>
+                        <a:srgbClr val="000000"/>
+                      </a:solidFill>
+                      <a:prstDash val="solid"/>
+                      <a:round/>
+                      <a:headEnd type="none" w="med" len="med"/>
+                      <a:tailEnd type="none" w="med" len="med"/>
+                    </a:lnB>
+                  </a:tcPr>
+                </a:tc>
+              </a:tr>
+              <a:tr h="2469608">
+                <a:tc>
+                  <a:txBody>
+                    <a:bodyPr/>
+                    <a:lstStyle/>
+                    <a:p>
+                      <a:pPr>
+                        <a:spcAft>
+                          <a:spcPts val="0"/>
+                        </a:spcAft>
+                      </a:pPr>
+                      <a:r>
+                        <a:rPr lang="it-IT" sz="1800" b="1" kern="150">
+                          <a:latin typeface="+mj-lt"/>
+                          <a:ea typeface="Droid Sans Fallback"/>
+                          <a:cs typeface="FreeSans"/>
+                        </a:rPr>
+                        <a:t>Flow of events</a:t>
+                      </a:r>
+                    </a:p>
+                  </a:txBody>
+                  <a:tcPr marL="27432" marR="27432" marT="27432" marB="27432">
+                    <a:lnL w="12700" cap="flat" cmpd="sng" algn="ctr">
+                      <a:solidFill>
+                        <a:srgbClr val="000000"/>
+                      </a:solidFill>
+                      <a:prstDash val="solid"/>
+                      <a:round/>
+                      <a:headEnd type="none" w="med" len="med"/>
+                      <a:tailEnd type="none" w="med" len="med"/>
+                    </a:lnL>
+                    <a:lnR w="12700" cap="flat" cmpd="sng" algn="ctr">
+                      <a:solidFill>
+                        <a:srgbClr val="000000"/>
+                      </a:solidFill>
+                      <a:prstDash val="solid"/>
+                      <a:round/>
+                      <a:headEnd type="none" w="med" len="med"/>
+                      <a:tailEnd type="none" w="med" len="med"/>
+                    </a:lnR>
+                    <a:lnT w="12700" cap="flat" cmpd="sng" algn="ctr">
+                      <a:solidFill>
+                        <a:srgbClr val="000000"/>
+                      </a:solidFill>
+                      <a:prstDash val="solid"/>
+                      <a:round/>
+                      <a:headEnd type="none" w="med" len="med"/>
+                      <a:tailEnd type="none" w="med" len="med"/>
+                    </a:lnT>
+                    <a:lnB w="12700" cap="flat" cmpd="sng" algn="ctr">
+                      <a:solidFill>
+                        <a:srgbClr val="000000"/>
+                      </a:solidFill>
+                      <a:prstDash val="solid"/>
+                      <a:round/>
+                      <a:headEnd type="none" w="med" len="med"/>
+                      <a:tailEnd type="none" w="med" len="med"/>
+                    </a:lnB>
+                  </a:tcPr>
+                </a:tc>
+                <a:tc>
+                  <a:txBody>
+                    <a:bodyPr/>
+                    <a:lstStyle/>
+                    <a:p>
+                      <a:pPr>
+                        <a:buFont typeface="Arial" pitchFamily="34" charset="0"/>
+                        <a:buChar char="•"/>
+                      </a:pPr>
+                      <a:r>
+                        <a:rPr lang="en-US" sz="1100" kern="1200" baseline="0" dirty="0" smtClean="0">
+                          <a:solidFill>
+                            <a:schemeClr val="tx1"/>
+                          </a:solidFill>
+                          <a:latin typeface="+mn-lt"/>
+                          <a:ea typeface="+mn-ea"/>
+                          <a:cs typeface="+mn-cs"/>
+                        </a:rPr>
+                        <a:t>The system sends a request with the users' basic information to the first available taxi driver in the zone</a:t>
+                      </a:r>
+                    </a:p>
+                    <a:p>
+                      <a:pPr>
+                        <a:buFont typeface="Arial" pitchFamily="34" charset="0"/>
+                        <a:buChar char="•"/>
+                      </a:pPr>
+                      <a:r>
+                        <a:rPr lang="en-US" sz="1100" kern="1200" baseline="0" dirty="0" smtClean="0">
+                          <a:solidFill>
+                            <a:schemeClr val="tx1"/>
+                          </a:solidFill>
+                          <a:latin typeface="+mn-lt"/>
+                          <a:ea typeface="+mn-ea"/>
+                          <a:cs typeface="+mn-cs"/>
+                        </a:rPr>
+                        <a:t>The taxi driver accepts the request</a:t>
+                      </a:r>
+                    </a:p>
+                    <a:p>
+                      <a:pPr>
+                        <a:buFont typeface="Arial" pitchFamily="34" charset="0"/>
+                        <a:buChar char="•"/>
+                      </a:pPr>
+                      <a:r>
+                        <a:rPr lang="en-US" sz="1100" kern="1200" baseline="0" dirty="0" smtClean="0">
+                          <a:solidFill>
+                            <a:schemeClr val="tx1"/>
+                          </a:solidFill>
+                          <a:latin typeface="+mn-lt"/>
+                          <a:ea typeface="+mn-ea"/>
+                          <a:cs typeface="+mn-cs"/>
+                        </a:rPr>
+                        <a:t>The system sends to the users the expected waiting time and the code of the incoming taxi, and places the taxi driver </a:t>
+                      </a:r>
+                      <a:r>
+                        <a:rPr lang="it-IT" sz="1100" kern="1200" baseline="0" dirty="0" smtClean="0">
+                          <a:solidFill>
+                            <a:schemeClr val="tx1"/>
+                          </a:solidFill>
+                          <a:latin typeface="+mn-lt"/>
+                          <a:ea typeface="+mn-ea"/>
+                          <a:cs typeface="+mn-cs"/>
+                        </a:rPr>
+                        <a:t>in "</a:t>
+                      </a:r>
+                      <a:r>
+                        <a:rPr lang="it-IT" sz="1100" kern="1200" baseline="0" dirty="0" err="1" smtClean="0">
+                          <a:solidFill>
+                            <a:schemeClr val="tx1"/>
+                          </a:solidFill>
+                          <a:latin typeface="+mn-lt"/>
+                          <a:ea typeface="+mn-ea"/>
+                          <a:cs typeface="+mn-cs"/>
+                        </a:rPr>
+                        <a:t>waiting</a:t>
+                      </a:r>
+                      <a:r>
+                        <a:rPr lang="it-IT" sz="1100" kern="1200" baseline="0" dirty="0" smtClean="0">
+                          <a:solidFill>
+                            <a:schemeClr val="tx1"/>
+                          </a:solidFill>
+                          <a:latin typeface="+mn-lt"/>
+                          <a:ea typeface="+mn-ea"/>
+                          <a:cs typeface="+mn-cs"/>
+                        </a:rPr>
+                        <a:t>" state</a:t>
+                      </a:r>
+                    </a:p>
+                    <a:p>
+                      <a:pPr>
+                        <a:buFont typeface="Arial" pitchFamily="34" charset="0"/>
+                        <a:buChar char="•"/>
+                      </a:pPr>
+                      <a:r>
+                        <a:rPr lang="en-US" sz="1100" kern="1200" baseline="0" dirty="0" smtClean="0">
+                          <a:solidFill>
+                            <a:schemeClr val="tx1"/>
+                          </a:solidFill>
+                          <a:latin typeface="+mn-lt"/>
+                          <a:ea typeface="+mn-ea"/>
+                          <a:cs typeface="+mn-cs"/>
+                        </a:rPr>
+                        <a:t>The users confirm the request within 1 minute</a:t>
+                      </a:r>
+                    </a:p>
+                    <a:p>
+                      <a:pPr>
+                        <a:buFont typeface="Arial" pitchFamily="34" charset="0"/>
+                        <a:buChar char="•"/>
+                      </a:pPr>
+                      <a:r>
+                        <a:rPr lang="en-US" sz="1100" kern="1200" baseline="0" dirty="0" smtClean="0">
+                          <a:solidFill>
+                            <a:schemeClr val="tx1"/>
+                          </a:solidFill>
+                          <a:latin typeface="+mn-lt"/>
+                          <a:ea typeface="+mn-ea"/>
+                          <a:cs typeface="+mn-cs"/>
+                        </a:rPr>
+                        <a:t>The system removes the taxi driver from the queue and </a:t>
+                      </a:r>
+                      <a:r>
+                        <a:rPr lang="it-IT" sz="1100" kern="1200" baseline="0" dirty="0" err="1" smtClean="0">
+                          <a:solidFill>
+                            <a:schemeClr val="tx1"/>
+                          </a:solidFill>
+                          <a:latin typeface="+mn-lt"/>
+                          <a:ea typeface="+mn-ea"/>
+                          <a:cs typeface="+mn-cs"/>
+                        </a:rPr>
+                        <a:t>gives</a:t>
+                      </a:r>
+                      <a:r>
+                        <a:rPr lang="it-IT" sz="1100" kern="1200" baseline="0" dirty="0" smtClean="0">
+                          <a:solidFill>
+                            <a:schemeClr val="tx1"/>
+                          </a:solidFill>
+                          <a:latin typeface="+mn-lt"/>
+                          <a:ea typeface="+mn-ea"/>
+                          <a:cs typeface="+mn-cs"/>
+                        </a:rPr>
+                        <a:t> </a:t>
+                      </a:r>
+                      <a:r>
+                        <a:rPr lang="it-IT" sz="1100" kern="1200" baseline="0" dirty="0" err="1" smtClean="0">
+                          <a:solidFill>
+                            <a:schemeClr val="tx1"/>
+                          </a:solidFill>
+                          <a:latin typeface="+mn-lt"/>
+                          <a:ea typeface="+mn-ea"/>
+                          <a:cs typeface="+mn-cs"/>
+                        </a:rPr>
+                        <a:t>him</a:t>
+                      </a:r>
+                      <a:r>
+                        <a:rPr lang="it-IT" sz="1100" kern="1200" baseline="0" dirty="0" smtClean="0">
+                          <a:solidFill>
+                            <a:schemeClr val="tx1"/>
+                          </a:solidFill>
+                          <a:latin typeface="+mn-lt"/>
+                          <a:ea typeface="+mn-ea"/>
+                          <a:cs typeface="+mn-cs"/>
+                        </a:rPr>
+                        <a:t>/</a:t>
+                      </a:r>
+                      <a:r>
+                        <a:rPr lang="it-IT" sz="1100" kern="1200" baseline="0" dirty="0" err="1" smtClean="0">
+                          <a:solidFill>
+                            <a:schemeClr val="tx1"/>
+                          </a:solidFill>
+                          <a:latin typeface="+mn-lt"/>
+                          <a:ea typeface="+mn-ea"/>
+                          <a:cs typeface="+mn-cs"/>
+                        </a:rPr>
+                        <a:t>her</a:t>
+                      </a:r>
+                      <a:r>
+                        <a:rPr lang="it-IT" sz="1100" kern="1200" baseline="0" dirty="0" smtClean="0">
+                          <a:solidFill>
+                            <a:schemeClr val="tx1"/>
+                          </a:solidFill>
+                          <a:latin typeface="+mn-lt"/>
+                          <a:ea typeface="+mn-ea"/>
+                          <a:cs typeface="+mn-cs"/>
+                        </a:rPr>
+                        <a:t> the </a:t>
+                      </a:r>
+                      <a:r>
+                        <a:rPr lang="it-IT" sz="1100" kern="1200" baseline="0" dirty="0" err="1" smtClean="0">
+                          <a:solidFill>
+                            <a:schemeClr val="tx1"/>
+                          </a:solidFill>
+                          <a:latin typeface="+mn-lt"/>
+                          <a:ea typeface="+mn-ea"/>
+                          <a:cs typeface="+mn-cs"/>
+                        </a:rPr>
+                        <a:t>confirmation</a:t>
+                      </a:r>
+                      <a:endParaRPr lang="it-IT" sz="1100" kern="1200" baseline="0" dirty="0" smtClean="0">
+                        <a:solidFill>
+                          <a:schemeClr val="tx1"/>
+                        </a:solidFill>
+                        <a:latin typeface="+mn-lt"/>
+                        <a:ea typeface="+mn-ea"/>
+                        <a:cs typeface="+mn-cs"/>
+                      </a:endParaRPr>
+                    </a:p>
+                    <a:p>
+                      <a:pPr>
+                        <a:buFont typeface="Arial" pitchFamily="34" charset="0"/>
+                        <a:buChar char="•"/>
+                      </a:pPr>
+                      <a:r>
+                        <a:rPr lang="en-US" sz="1100" kern="1200" baseline="0" dirty="0" smtClean="0">
+                          <a:solidFill>
+                            <a:schemeClr val="tx1"/>
+                          </a:solidFill>
+                          <a:latin typeface="+mn-lt"/>
+                          <a:ea typeface="+mn-ea"/>
+                          <a:cs typeface="+mn-cs"/>
+                        </a:rPr>
+                        <a:t>The taxi driver goes to the pick up the users and bring the user 1 to his/her destination</a:t>
+                      </a:r>
+                    </a:p>
+                    <a:p>
+                      <a:pPr>
+                        <a:buFont typeface="Arial" pitchFamily="34" charset="0"/>
+                        <a:buChar char="•"/>
+                      </a:pPr>
+                      <a:r>
+                        <a:rPr lang="en-US" sz="1100" kern="1200" baseline="0" dirty="0" smtClean="0">
+                          <a:solidFill>
+                            <a:schemeClr val="tx1"/>
+                          </a:solidFill>
+                          <a:latin typeface="+mn-lt"/>
+                          <a:ea typeface="+mn-ea"/>
+                          <a:cs typeface="+mn-cs"/>
+                        </a:rPr>
+                        <a:t>The taxi driver sends to the system the signal that taxi is arrived at the first destination</a:t>
+                      </a:r>
+                    </a:p>
+                    <a:p>
+                      <a:pPr>
+                        <a:buFont typeface="Arial" pitchFamily="34" charset="0"/>
+                        <a:buChar char="•"/>
+                      </a:pPr>
+                      <a:r>
+                        <a:rPr lang="en-US" sz="1100" kern="1200" baseline="0" dirty="0" smtClean="0">
+                          <a:solidFill>
+                            <a:schemeClr val="tx1"/>
+                          </a:solidFill>
+                          <a:latin typeface="+mn-lt"/>
+                          <a:ea typeface="+mn-ea"/>
+                          <a:cs typeface="+mn-cs"/>
+                        </a:rPr>
+                        <a:t>The system reads the fee from the taximeter and divides it by the number of users in the taxi and saves the </a:t>
+                      </a:r>
+                      <a:r>
+                        <a:rPr lang="en-US" sz="1100" kern="1200" baseline="0" dirty="0" err="1" smtClean="0">
+                          <a:solidFill>
+                            <a:schemeClr val="tx1"/>
+                          </a:solidFill>
+                          <a:latin typeface="+mn-lt"/>
+                          <a:ea typeface="+mn-ea"/>
+                          <a:cs typeface="+mn-cs"/>
+                        </a:rPr>
+                        <a:t>payed</a:t>
+                      </a:r>
+                      <a:r>
+                        <a:rPr lang="en-US" sz="1100" kern="1200" baseline="0" dirty="0" smtClean="0">
+                          <a:solidFill>
+                            <a:schemeClr val="tx1"/>
+                          </a:solidFill>
+                          <a:latin typeface="+mn-lt"/>
+                          <a:ea typeface="+mn-ea"/>
+                          <a:cs typeface="+mn-cs"/>
+                        </a:rPr>
+                        <a:t> </a:t>
+                      </a:r>
+                      <a:r>
+                        <a:rPr lang="it-IT" sz="1100" kern="1200" baseline="0" dirty="0" err="1" smtClean="0">
+                          <a:solidFill>
+                            <a:schemeClr val="tx1"/>
+                          </a:solidFill>
+                          <a:latin typeface="+mn-lt"/>
+                          <a:ea typeface="+mn-ea"/>
+                          <a:cs typeface="+mn-cs"/>
+                        </a:rPr>
+                        <a:t>ammount</a:t>
+                      </a:r>
+                      <a:endParaRPr lang="it-IT" sz="1100" kern="1200" baseline="0" dirty="0" smtClean="0">
+                        <a:solidFill>
+                          <a:schemeClr val="tx1"/>
+                        </a:solidFill>
+                        <a:latin typeface="+mn-lt"/>
+                        <a:ea typeface="+mn-ea"/>
+                        <a:cs typeface="+mn-cs"/>
+                      </a:endParaRPr>
+                    </a:p>
+                    <a:p>
+                      <a:pPr>
+                        <a:buFont typeface="Arial" pitchFamily="34" charset="0"/>
+                        <a:buChar char="•"/>
+                      </a:pPr>
+                      <a:r>
+                        <a:rPr lang="en-US" sz="1100" kern="1200" baseline="0" dirty="0" smtClean="0">
+                          <a:solidFill>
+                            <a:schemeClr val="tx1"/>
+                          </a:solidFill>
+                          <a:latin typeface="+mn-lt"/>
+                          <a:ea typeface="+mn-ea"/>
+                          <a:cs typeface="+mn-cs"/>
+                        </a:rPr>
+                        <a:t>The taxi arrives at the next destinations and the taxi driver sends to the system the signals that taxi is arrived</a:t>
+                      </a:r>
+                    </a:p>
+                    <a:p>
+                      <a:pPr>
+                        <a:buFont typeface="Arial" pitchFamily="34" charset="0"/>
+                        <a:buChar char="•"/>
+                      </a:pPr>
+                      <a:r>
+                        <a:rPr lang="en-US" sz="1100" kern="1200" baseline="0" dirty="0" smtClean="0">
+                          <a:solidFill>
+                            <a:schemeClr val="tx1"/>
+                          </a:solidFill>
+                          <a:latin typeface="+mn-lt"/>
+                          <a:ea typeface="+mn-ea"/>
+                          <a:cs typeface="+mn-cs"/>
+                        </a:rPr>
+                        <a:t>The system reads the fee from the taximeter, subtracts the already </a:t>
+                      </a:r>
+                      <a:r>
+                        <a:rPr lang="en-US" sz="1100" kern="1200" baseline="0" dirty="0" err="1" smtClean="0">
+                          <a:solidFill>
+                            <a:schemeClr val="tx1"/>
+                          </a:solidFill>
+                          <a:latin typeface="+mn-lt"/>
+                          <a:ea typeface="+mn-ea"/>
+                          <a:cs typeface="+mn-cs"/>
+                        </a:rPr>
+                        <a:t>payed</a:t>
+                      </a:r>
+                      <a:r>
+                        <a:rPr lang="en-US" sz="1100" kern="1200" baseline="0" dirty="0" smtClean="0">
+                          <a:solidFill>
+                            <a:schemeClr val="tx1"/>
+                          </a:solidFill>
+                          <a:latin typeface="+mn-lt"/>
+                          <a:ea typeface="+mn-ea"/>
+                          <a:cs typeface="+mn-cs"/>
+                        </a:rPr>
+                        <a:t> </a:t>
+                      </a:r>
+                      <a:r>
+                        <a:rPr lang="en-US" sz="1100" kern="1200" baseline="0" dirty="0" err="1" smtClean="0">
+                          <a:solidFill>
+                            <a:schemeClr val="tx1"/>
+                          </a:solidFill>
+                          <a:latin typeface="+mn-lt"/>
+                          <a:ea typeface="+mn-ea"/>
+                          <a:cs typeface="+mn-cs"/>
+                        </a:rPr>
+                        <a:t>ammount</a:t>
+                      </a:r>
+                      <a:r>
+                        <a:rPr lang="en-US" sz="1100" kern="1200" baseline="0" dirty="0" smtClean="0">
+                          <a:solidFill>
+                            <a:schemeClr val="tx1"/>
+                          </a:solidFill>
+                          <a:latin typeface="+mn-lt"/>
+                          <a:ea typeface="+mn-ea"/>
+                          <a:cs typeface="+mn-cs"/>
+                        </a:rPr>
+                        <a:t> and divides the result by the number of users in the taxi</a:t>
+                      </a:r>
+                    </a:p>
+                    <a:p>
+                      <a:pPr>
+                        <a:buFont typeface="Arial" pitchFamily="34" charset="0"/>
+                        <a:buChar char="•"/>
+                      </a:pPr>
+                      <a:r>
+                        <a:rPr lang="en-US" sz="1100" kern="1200" baseline="0" dirty="0" smtClean="0">
+                          <a:solidFill>
+                            <a:schemeClr val="tx1"/>
+                          </a:solidFill>
+                          <a:latin typeface="+mn-lt"/>
+                          <a:ea typeface="+mn-ea"/>
+                          <a:cs typeface="+mn-cs"/>
+                        </a:rPr>
+                        <a:t>The taxi driver informs the system about his/her </a:t>
+                      </a:r>
+                      <a:r>
+                        <a:rPr lang="it-IT" sz="1100" kern="1200" baseline="0" dirty="0" err="1" smtClean="0">
+                          <a:solidFill>
+                            <a:schemeClr val="tx1"/>
+                          </a:solidFill>
+                          <a:latin typeface="+mn-lt"/>
+                          <a:ea typeface="+mn-ea"/>
+                          <a:cs typeface="+mn-cs"/>
+                        </a:rPr>
+                        <a:t>availability</a:t>
+                      </a:r>
+                      <a:r>
+                        <a:rPr lang="it-IT" sz="1100" kern="1200" baseline="0" dirty="0" smtClean="0">
+                          <a:solidFill>
+                            <a:schemeClr val="tx1"/>
+                          </a:solidFill>
+                          <a:latin typeface="+mn-lt"/>
+                          <a:ea typeface="+mn-ea"/>
+                          <a:cs typeface="+mn-cs"/>
+                        </a:rPr>
+                        <a:t>.</a:t>
+                      </a:r>
+                      <a:endParaRPr lang="it-IT" sz="1100" kern="150" dirty="0">
+                        <a:latin typeface="+mn-lt"/>
+                        <a:ea typeface="OpenSymbol"/>
+                        <a:cs typeface="OpenSymbol"/>
+                      </a:endParaRPr>
+                    </a:p>
+                  </a:txBody>
+                  <a:tcPr marL="27432" marR="27432" marT="27432" marB="27432">
+                    <a:lnL w="12700" cap="flat" cmpd="sng" algn="ctr">
+                      <a:solidFill>
+                        <a:srgbClr val="000000"/>
+                      </a:solidFill>
+                      <a:prstDash val="solid"/>
+                      <a:round/>
+                      <a:headEnd type="none" w="med" len="med"/>
+                      <a:tailEnd type="none" w="med" len="med"/>
+                    </a:lnL>
+                    <a:lnR w="12700" cap="flat" cmpd="sng" algn="ctr">
+                      <a:solidFill>
+                        <a:srgbClr val="000000"/>
+                      </a:solidFill>
+                      <a:prstDash val="solid"/>
+                      <a:round/>
+                      <a:headEnd type="none" w="med" len="med"/>
+                      <a:tailEnd type="none" w="med" len="med"/>
+                    </a:lnR>
+                    <a:lnT w="12700" cap="flat" cmpd="sng" algn="ctr">
+                      <a:solidFill>
+                        <a:srgbClr val="000000"/>
+                      </a:solidFill>
+                      <a:prstDash val="solid"/>
+                      <a:round/>
+                      <a:headEnd type="none" w="med" len="med"/>
+                      <a:tailEnd type="none" w="med" len="med"/>
+                    </a:lnT>
+                    <a:lnB w="12700" cap="flat" cmpd="sng" algn="ctr">
+                      <a:solidFill>
+                        <a:srgbClr val="000000"/>
+                      </a:solidFill>
+                      <a:prstDash val="solid"/>
+                      <a:round/>
+                      <a:headEnd type="none" w="med" len="med"/>
+                      <a:tailEnd type="none" w="med" len="med"/>
+                    </a:lnB>
+                  </a:tcPr>
+                </a:tc>
+              </a:tr>
+              <a:tr h="325631">
+                <a:tc>
+                  <a:txBody>
+                    <a:bodyPr/>
+                    <a:lstStyle/>
+                    <a:p>
+                      <a:pPr>
+                        <a:spcAft>
+                          <a:spcPts val="0"/>
+                        </a:spcAft>
+                      </a:pPr>
+                      <a:r>
+                        <a:rPr lang="it-IT" sz="1800" b="1" kern="150">
+                          <a:latin typeface="+mj-lt"/>
+                          <a:ea typeface="Droid Sans Fallback"/>
+                          <a:cs typeface="FreeSans"/>
+                        </a:rPr>
+                        <a:t>Exit conditions</a:t>
+                      </a:r>
+                    </a:p>
+                  </a:txBody>
+                  <a:tcPr marL="27432" marR="27432" marT="27432" marB="27432">
+                    <a:lnL w="12700" cap="flat" cmpd="sng" algn="ctr">
+                      <a:solidFill>
+                        <a:srgbClr val="000000"/>
+                      </a:solidFill>
+                      <a:prstDash val="solid"/>
+                      <a:round/>
+                      <a:headEnd type="none" w="med" len="med"/>
+                      <a:tailEnd type="none" w="med" len="med"/>
+                    </a:lnL>
+                    <a:lnR w="12700" cap="flat" cmpd="sng" algn="ctr">
+                      <a:solidFill>
+                        <a:srgbClr val="000000"/>
+                      </a:solidFill>
+                      <a:prstDash val="solid"/>
+                      <a:round/>
+                      <a:headEnd type="none" w="med" len="med"/>
+                      <a:tailEnd type="none" w="med" len="med"/>
+                    </a:lnR>
+                    <a:lnT w="12700" cap="flat" cmpd="sng" algn="ctr">
+                      <a:solidFill>
+                        <a:srgbClr val="000000"/>
+                      </a:solidFill>
+                      <a:prstDash val="solid"/>
+                      <a:round/>
+                      <a:headEnd type="none" w="med" len="med"/>
+                      <a:tailEnd type="none" w="med" len="med"/>
+                    </a:lnT>
+                    <a:lnB w="12700" cap="flat" cmpd="sng" algn="ctr">
+                      <a:solidFill>
+                        <a:srgbClr val="000000"/>
+                      </a:solidFill>
+                      <a:prstDash val="solid"/>
+                      <a:round/>
+                      <a:headEnd type="none" w="med" len="med"/>
+                      <a:tailEnd type="none" w="med" len="med"/>
+                    </a:lnB>
+                  </a:tcPr>
+                </a:tc>
+                <a:tc>
+                  <a:txBody>
+                    <a:bodyPr/>
+                    <a:lstStyle/>
+                    <a:p>
+                      <a:pPr marL="342900" lvl="0" indent="-342900">
+                        <a:spcAft>
+                          <a:spcPts val="0"/>
+                        </a:spcAft>
+                        <a:buFont typeface="Arial"/>
+                        <a:buChar char="•"/>
+                      </a:pPr>
+                      <a:r>
+                        <a:rPr lang="en-US" sz="1100" kern="150">
+                          <a:latin typeface="+mn-lt"/>
+                          <a:ea typeface="OpenSymbol"/>
+                          <a:cs typeface="OpenSymbol"/>
+                        </a:rPr>
+                        <a:t>The System put the taxi driver in the last position of his/her actual zone's queue  </a:t>
+                      </a:r>
+                      <a:endParaRPr lang="it-IT" sz="1100" kern="150">
+                        <a:latin typeface="+mn-lt"/>
+                        <a:ea typeface="OpenSymbol"/>
+                        <a:cs typeface="OpenSymbol"/>
+                      </a:endParaRPr>
+                    </a:p>
+                  </a:txBody>
+                  <a:tcPr marL="27432" marR="27432" marT="27432" marB="27432">
+                    <a:lnL w="12700" cap="flat" cmpd="sng" algn="ctr">
+                      <a:solidFill>
+                        <a:srgbClr val="000000"/>
+                      </a:solidFill>
+                      <a:prstDash val="solid"/>
+                      <a:round/>
+                      <a:headEnd type="none" w="med" len="med"/>
+                      <a:tailEnd type="none" w="med" len="med"/>
+                    </a:lnL>
+                    <a:lnR w="12700" cap="flat" cmpd="sng" algn="ctr">
+                      <a:solidFill>
+                        <a:srgbClr val="000000"/>
+                      </a:solidFill>
+                      <a:prstDash val="solid"/>
+                      <a:round/>
+                      <a:headEnd type="none" w="med" len="med"/>
+                      <a:tailEnd type="none" w="med" len="med"/>
+                    </a:lnR>
+                    <a:lnT w="12700" cap="flat" cmpd="sng" algn="ctr">
+                      <a:solidFill>
+                        <a:srgbClr val="000000"/>
+                      </a:solidFill>
+                      <a:prstDash val="solid"/>
+                      <a:round/>
+                      <a:headEnd type="none" w="med" len="med"/>
+                      <a:tailEnd type="none" w="med" len="med"/>
+                    </a:lnT>
+                    <a:lnB w="12700" cap="flat" cmpd="sng" algn="ctr">
+                      <a:solidFill>
+                        <a:srgbClr val="000000"/>
+                      </a:solidFill>
+                      <a:prstDash val="solid"/>
+                      <a:round/>
+                      <a:headEnd type="none" w="med" len="med"/>
+                      <a:tailEnd type="none" w="med" len="med"/>
+                    </a:lnB>
+                  </a:tcPr>
+                </a:tc>
+              </a:tr>
+              <a:tr h="1310749">
+                <a:tc>
+                  <a:txBody>
+                    <a:bodyPr/>
+                    <a:lstStyle/>
+                    <a:p>
+                      <a:pPr>
+                        <a:spcAft>
+                          <a:spcPts val="0"/>
+                        </a:spcAft>
+                      </a:pPr>
+                      <a:r>
+                        <a:rPr lang="it-IT" sz="1800" b="1" kern="150" dirty="0" err="1">
+                          <a:latin typeface="+mj-lt"/>
+                          <a:ea typeface="Droid Sans Fallback"/>
+                          <a:cs typeface="FreeSans"/>
+                        </a:rPr>
+                        <a:t>Exceptions</a:t>
+                      </a:r>
+                      <a:endParaRPr lang="it-IT" sz="1800" b="1" kern="150" dirty="0">
+                        <a:latin typeface="+mj-lt"/>
+                        <a:ea typeface="Droid Sans Fallback"/>
+                        <a:cs typeface="FreeSans"/>
+                      </a:endParaRPr>
+                    </a:p>
+                  </a:txBody>
+                  <a:tcPr marL="27432" marR="27432" marT="27432" marB="27432">
+                    <a:lnL w="12700" cap="flat" cmpd="sng" algn="ctr">
+                      <a:solidFill>
+                        <a:srgbClr val="000000"/>
+                      </a:solidFill>
+                      <a:prstDash val="solid"/>
+                      <a:round/>
+                      <a:headEnd type="none" w="med" len="med"/>
+                      <a:tailEnd type="none" w="med" len="med"/>
+                    </a:lnL>
+                    <a:lnR w="12700" cap="flat" cmpd="sng" algn="ctr">
+                      <a:solidFill>
+                        <a:srgbClr val="000000"/>
+                      </a:solidFill>
+                      <a:prstDash val="solid"/>
+                      <a:round/>
+                      <a:headEnd type="none" w="med" len="med"/>
+                      <a:tailEnd type="none" w="med" len="med"/>
+                    </a:lnR>
+                    <a:lnT w="12700" cap="flat" cmpd="sng" algn="ctr">
+                      <a:solidFill>
+                        <a:srgbClr val="000000"/>
+                      </a:solidFill>
+                      <a:prstDash val="solid"/>
+                      <a:round/>
+                      <a:headEnd type="none" w="med" len="med"/>
+                      <a:tailEnd type="none" w="med" len="med"/>
+                    </a:lnT>
+                    <a:lnB w="12700" cap="flat" cmpd="sng" algn="ctr">
+                      <a:solidFill>
+                        <a:srgbClr val="000000"/>
+                      </a:solidFill>
+                      <a:prstDash val="solid"/>
+                      <a:round/>
+                      <a:headEnd type="none" w="med" len="med"/>
+                      <a:tailEnd type="none" w="med" len="med"/>
+                    </a:lnB>
+                  </a:tcPr>
+                </a:tc>
+                <a:tc>
+                  <a:txBody>
+                    <a:bodyPr/>
+                    <a:lstStyle/>
+                    <a:p>
+                      <a:pPr marL="342900" lvl="0" indent="-342900">
+                        <a:spcAft>
+                          <a:spcPts val="0"/>
+                        </a:spcAft>
+                        <a:buFont typeface="Arial"/>
+                        <a:buChar char="•"/>
+                      </a:pPr>
+                      <a:r>
+                        <a:rPr lang="en-US" sz="1100" kern="150" dirty="0">
+                          <a:latin typeface="+mn-lt"/>
+                          <a:ea typeface="OpenSymbol"/>
+                          <a:cs typeface="OpenSymbol"/>
+                        </a:rPr>
+                        <a:t>The taxi driver doesn't accept the call. In this case the system forwards the request to the second in the queue and move the first taxi in the last position in the queue</a:t>
+                      </a:r>
+                      <a:r>
+                        <a:rPr lang="en-US" sz="1100" kern="150" dirty="0" smtClean="0">
+                          <a:latin typeface="+mn-lt"/>
+                          <a:ea typeface="OpenSymbol"/>
+                          <a:cs typeface="OpenSymbol"/>
+                        </a:rPr>
+                        <a:t>.</a:t>
+                      </a:r>
+                    </a:p>
+                    <a:p>
+                      <a:pPr marL="342900" lvl="0" indent="-342900">
+                        <a:spcAft>
+                          <a:spcPts val="0"/>
+                        </a:spcAft>
+                        <a:buFont typeface="Arial"/>
+                        <a:buChar char="•"/>
+                      </a:pPr>
+                      <a:r>
+                        <a:rPr lang="en-US" sz="1100" kern="150" dirty="0" smtClean="0">
+                          <a:latin typeface="+mn-lt"/>
+                          <a:ea typeface="OpenSymbol"/>
+                          <a:cs typeface="OpenSymbol"/>
+                        </a:rPr>
+                        <a:t>One or more of the users but not all does not confirm his request after receiving notification of the expected arrival time. In this case the system notifies the taxi driver that that user refused the call</a:t>
+                      </a:r>
+                    </a:p>
+                    <a:p>
+                      <a:pPr marL="342900" lvl="0" indent="-342900">
+                        <a:spcAft>
+                          <a:spcPts val="0"/>
+                        </a:spcAft>
+                        <a:buFont typeface="Arial"/>
+                        <a:buChar char="•"/>
+                      </a:pPr>
+                      <a:r>
+                        <a:rPr lang="en-US" sz="1100" kern="150" dirty="0" smtClean="0">
+                          <a:latin typeface="+mn-lt"/>
+                          <a:ea typeface="OpenSymbol"/>
+                          <a:cs typeface="OpenSymbol"/>
+                        </a:rPr>
+                        <a:t>All the users does not confirm the request after receiving notification of the expected arrival time. In this case the system put the taxi driver in “available” state. </a:t>
+                      </a:r>
+                    </a:p>
+                    <a:p>
+                      <a:pPr marL="342900" lvl="0" indent="-342900">
+                        <a:spcAft>
+                          <a:spcPts val="0"/>
+                        </a:spcAft>
+                        <a:buFont typeface="Arial"/>
+                        <a:buChar char="•"/>
+                      </a:pPr>
+                      <a:r>
+                        <a:rPr lang="en-US" sz="1100" kern="150" dirty="0" smtClean="0">
+                          <a:latin typeface="+mn-lt"/>
+                          <a:ea typeface="OpenSymbol"/>
+                          <a:cs typeface="OpenSymbol"/>
+                        </a:rPr>
+                        <a:t>One or more users </a:t>
+                      </a:r>
+                      <a:r>
+                        <a:rPr lang="en-US" sz="1100" kern="150" dirty="0" err="1" smtClean="0">
+                          <a:latin typeface="+mn-lt"/>
+                          <a:ea typeface="OpenSymbol"/>
+                          <a:cs typeface="OpenSymbol"/>
+                        </a:rPr>
+                        <a:t>ar</a:t>
+                      </a:r>
+                      <a:r>
+                        <a:rPr lang="en-US" sz="1100" kern="150" dirty="0" smtClean="0">
+                          <a:latin typeface="+mn-lt"/>
+                          <a:ea typeface="OpenSymbol"/>
+                          <a:cs typeface="OpenSymbol"/>
+                        </a:rPr>
+                        <a:t> not at the pick up place when the taxi arrives. See the dedicated use case.</a:t>
+                      </a:r>
+                      <a:endParaRPr lang="it-IT" sz="1100" kern="150" dirty="0">
+                        <a:latin typeface="+mn-lt"/>
+                        <a:ea typeface="OpenSymbol"/>
+                        <a:cs typeface="OpenSymbol"/>
+                      </a:endParaRPr>
+                    </a:p>
+                  </a:txBody>
+                  <a:tcPr marL="27432" marR="27432" marT="27432" marB="27432">
+                    <a:lnL w="12700" cap="flat" cmpd="sng" algn="ctr">
+                      <a:solidFill>
+                        <a:srgbClr val="000000"/>
+                      </a:solidFill>
+                      <a:prstDash val="solid"/>
+                      <a:round/>
+                      <a:headEnd type="none" w="med" len="med"/>
+                      <a:tailEnd type="none" w="med" len="med"/>
+                    </a:lnL>
+                    <a:lnR w="12700" cap="flat" cmpd="sng" algn="ctr">
+                      <a:solidFill>
+                        <a:srgbClr val="000000"/>
+                      </a:solidFill>
+                      <a:prstDash val="solid"/>
+                      <a:round/>
+                      <a:headEnd type="none" w="med" len="med"/>
+                      <a:tailEnd type="none" w="med" len="med"/>
+                    </a:lnR>
+                    <a:lnT w="12700" cap="flat" cmpd="sng" algn="ctr">
+                      <a:solidFill>
+                        <a:srgbClr val="000000"/>
+                      </a:solidFill>
+                      <a:prstDash val="solid"/>
+                      <a:round/>
+                      <a:headEnd type="none" w="med" len="med"/>
+                      <a:tailEnd type="none" w="med" len="med"/>
+                    </a:lnT>
+                    <a:lnB w="12700" cap="flat" cmpd="sng" algn="ctr">
+                      <a:solidFill>
+                        <a:srgbClr val="000000"/>
+                      </a:solidFill>
+                      <a:prstDash val="solid"/>
+                      <a:round/>
+                      <a:headEnd type="none" w="med" len="med"/>
+                      <a:tailEnd type="none" w="med" len="med"/>
+                    </a:lnB>
+                  </a:tcPr>
+                </a:tc>
+              </a:tr>
+            </a:tbl>
+          </a:graphicData>
+        </a:graphic>
+      </p:graphicFrame>
+    </p:spTree>
+  </p:cSld>
+  <p:clrMapOvr>
+    <a:masterClrMapping/>
+  </p:clrMapOvr>
+</p:sld>
+</file>
+
+<file path=ppt/slides/slide14.xml><?xml version="1.0" encoding="utf-8"?>
+<p:sld xmlns:a="http://schemas.openxmlformats.org/drawingml/2006/main" xmlns:r="http://schemas.openxmlformats.org/officeDocument/2006/relationships" xmlns:p="http://schemas.openxmlformats.org/presentationml/2006/main">
+  <p:cSld>
+    <p:spTree>
+      <p:nvGrpSpPr>
+        <p:cNvPr id="1" name=""/>
+        <p:cNvGrpSpPr/>
+        <p:nvPr/>
+      </p:nvGrpSpPr>
+      <p:grpSpPr>
+        <a:xfrm>
+          <a:off x="0" y="0"/>
+          <a:ext cx="0" cy="0"/>
+          <a:chOff x="0" y="0"/>
+          <a:chExt cx="0" cy="0"/>
+        </a:xfrm>
+      </p:grpSpPr>
+      <p:sp>
+        <p:nvSpPr>
+          <p:cNvPr id="2" name="Titolo 1"/>
+          <p:cNvSpPr>
+            <a:spLocks noGrp="1"/>
+          </p:cNvSpPr>
+          <p:nvPr>
+            <p:ph type="title"/>
+          </p:nvPr>
+        </p:nvSpPr>
+        <p:spPr/>
+        <p:txBody>
+          <a:bodyPr/>
+          <a:lstStyle/>
+          <a:p>
+            <a:r>
+              <a:rPr lang="it-IT" b="1" dirty="0" err="1" smtClean="0"/>
+              <a:t>Shared</a:t>
+            </a:r>
+            <a:r>
+              <a:rPr lang="it-IT" b="1" dirty="0" smtClean="0"/>
+              <a:t> </a:t>
+            </a:r>
+            <a:r>
+              <a:rPr lang="it-IT" b="1" dirty="0" err="1" smtClean="0"/>
+              <a:t>Call</a:t>
+            </a:r>
+            <a:r>
+              <a:rPr lang="it-IT" b="1" dirty="0" smtClean="0"/>
+              <a:t> – </a:t>
+            </a:r>
+            <a:r>
+              <a:rPr lang="it-IT" b="1" dirty="0" err="1" smtClean="0"/>
+              <a:t>Use</a:t>
+            </a:r>
+            <a:r>
+              <a:rPr lang="it-IT" b="1" dirty="0" smtClean="0"/>
+              <a:t> Case </a:t>
+            </a:r>
+            <a:r>
+              <a:rPr lang="it-IT" b="1" dirty="0" err="1" smtClean="0"/>
+              <a:t>Diagram</a:t>
+            </a:r>
+            <a:endParaRPr lang="it-IT" b="1" dirty="0"/>
+          </a:p>
+        </p:txBody>
+      </p:sp>
+      <p:pic>
+        <p:nvPicPr>
+          <p:cNvPr id="6" name="Immagine 5" descr="DiagrammadeiCasidUso4.png"/>
+          <p:cNvPicPr>
+            <a:picLocks noChangeAspect="1"/>
+          </p:cNvPicPr>
+          <p:nvPr/>
+        </p:nvPicPr>
+        <p:blipFill>
+          <a:blip r:embed="rId2" cstate="print"/>
+          <a:stretch>
+            <a:fillRect/>
+          </a:stretch>
+        </p:blipFill>
+        <p:spPr>
+          <a:xfrm>
+            <a:off x="1181050" y="883493"/>
+            <a:ext cx="6991350" cy="5857875"/>
+          </a:xfrm>
+          <a:prstGeom prst="rect">
+            <a:avLst/>
+          </a:prstGeom>
+        </p:spPr>
+      </p:pic>
+    </p:spTree>
+  </p:cSld>
+  <p:clrMapOvr>
+    <a:masterClrMapping/>
+  </p:clrMapOvr>
+</p:sld>
+</file>
+
+<file path=ppt/slides/slide15.xml><?xml version="1.0" encoding="utf-8"?>
+<p:sld xmlns:a="http://schemas.openxmlformats.org/drawingml/2006/main" xmlns:r="http://schemas.openxmlformats.org/officeDocument/2006/relationships" xmlns:p="http://schemas.openxmlformats.org/presentationml/2006/main">
+  <p:cSld>
+    <p:spTree>
+      <p:nvGrpSpPr>
+        <p:cNvPr id="1" name=""/>
+        <p:cNvGrpSpPr/>
+        <p:nvPr/>
+      </p:nvGrpSpPr>
+      <p:grpSpPr>
+        <a:xfrm>
+          <a:off x="0" y="0"/>
+          <a:ext cx="0" cy="0"/>
+          <a:chOff x="0" y="0"/>
+          <a:chExt cx="0" cy="0"/>
+        </a:xfrm>
+      </p:grpSpPr>
+      <p:sp>
+        <p:nvSpPr>
+          <p:cNvPr id="2" name="Titolo 1"/>
+          <p:cNvSpPr>
+            <a:spLocks noGrp="1"/>
+          </p:cNvSpPr>
+          <p:nvPr>
+            <p:ph type="title"/>
+          </p:nvPr>
+        </p:nvSpPr>
+        <p:spPr/>
+        <p:txBody>
+          <a:bodyPr>
+            <a:normAutofit fontScale="90000"/>
+          </a:bodyPr>
+          <a:lstStyle/>
+          <a:p>
+            <a:r>
+              <a:rPr lang="it-IT" b="1" dirty="0" err="1" smtClean="0"/>
+              <a:t>Shared</a:t>
+            </a:r>
+            <a:r>
+              <a:rPr lang="it-IT" b="1" dirty="0" smtClean="0"/>
+              <a:t> </a:t>
+            </a:r>
+            <a:r>
+              <a:rPr lang="it-IT" b="1" dirty="0" err="1" smtClean="0"/>
+              <a:t>Call</a:t>
+            </a:r>
+            <a:r>
+              <a:rPr lang="it-IT" b="1" dirty="0" smtClean="0"/>
+              <a:t> – </a:t>
+            </a:r>
+            <a:r>
+              <a:rPr lang="it-IT" b="1" dirty="0" err="1" smtClean="0"/>
+              <a:t>Sequence</a:t>
+            </a:r>
+            <a:r>
+              <a:rPr lang="it-IT" b="1" dirty="0" smtClean="0"/>
+              <a:t> </a:t>
+            </a:r>
+            <a:r>
+              <a:rPr lang="it-IT" b="1" dirty="0" err="1" smtClean="0"/>
+              <a:t>Diagram</a:t>
+            </a:r>
+            <a:r>
+              <a:rPr lang="it-IT" b="1" dirty="0" smtClean="0"/>
+              <a:t> p.1</a:t>
+            </a:r>
+            <a:endParaRPr lang="it-IT" b="1" dirty="0"/>
+          </a:p>
+        </p:txBody>
+      </p:sp>
+      <p:pic>
+        <p:nvPicPr>
+          <p:cNvPr id="2050" name="Picture 2"/>
+          <p:cNvPicPr>
+            <a:picLocks noChangeAspect="1" noChangeArrowheads="1"/>
+          </p:cNvPicPr>
+          <p:nvPr/>
+        </p:nvPicPr>
+        <p:blipFill>
+          <a:blip r:embed="rId2" cstate="print"/>
+          <a:srcRect/>
+          <a:stretch>
+            <a:fillRect/>
+          </a:stretch>
+        </p:blipFill>
+        <p:spPr bwMode="auto">
+          <a:xfrm>
+            <a:off x="971600" y="1412776"/>
+            <a:ext cx="7153275" cy="4552950"/>
+          </a:xfrm>
+          <a:prstGeom prst="rect">
+            <a:avLst/>
+          </a:prstGeom>
+          <a:noFill/>
+          <a:ln w="9525">
+            <a:noFill/>
+            <a:miter lim="800000"/>
+            <a:headEnd/>
+            <a:tailEnd/>
+          </a:ln>
+        </p:spPr>
+      </p:pic>
+    </p:spTree>
+  </p:cSld>
+  <p:clrMapOvr>
+    <a:masterClrMapping/>
+  </p:clrMapOvr>
+</p:sld>
+</file>
+
+<file path=ppt/slides/slide16.xml><?xml version="1.0" encoding="utf-8"?>
+<p:sld xmlns:a="http://schemas.openxmlformats.org/drawingml/2006/main" xmlns:r="http://schemas.openxmlformats.org/officeDocument/2006/relationships" xmlns:p="http://schemas.openxmlformats.org/presentationml/2006/main">
+  <p:cSld>
+    <p:spTree>
+      <p:nvGrpSpPr>
+        <p:cNvPr id="1" name=""/>
+        <p:cNvGrpSpPr/>
+        <p:nvPr/>
+      </p:nvGrpSpPr>
+      <p:grpSpPr>
+        <a:xfrm>
+          <a:off x="0" y="0"/>
+          <a:ext cx="0" cy="0"/>
+          <a:chOff x="0" y="0"/>
+          <a:chExt cx="0" cy="0"/>
+        </a:xfrm>
+      </p:grpSpPr>
+      <p:sp>
+        <p:nvSpPr>
+          <p:cNvPr id="2" name="Titolo 1"/>
+          <p:cNvSpPr>
+            <a:spLocks noGrp="1"/>
+          </p:cNvSpPr>
+          <p:nvPr>
+            <p:ph type="title"/>
+          </p:nvPr>
+        </p:nvSpPr>
+        <p:spPr/>
+        <p:txBody>
+          <a:bodyPr>
+            <a:normAutofit fontScale="90000"/>
+          </a:bodyPr>
+          <a:lstStyle/>
+          <a:p>
+            <a:r>
+              <a:rPr lang="it-IT" b="1" dirty="0" err="1" smtClean="0"/>
+              <a:t>Shared</a:t>
+            </a:r>
+            <a:r>
+              <a:rPr lang="it-IT" b="1" dirty="0" smtClean="0"/>
+              <a:t> </a:t>
+            </a:r>
+            <a:r>
+              <a:rPr lang="it-IT" b="1" dirty="0" err="1" smtClean="0"/>
+              <a:t>Call</a:t>
+            </a:r>
+            <a:r>
+              <a:rPr lang="it-IT" b="1" dirty="0" smtClean="0"/>
+              <a:t> – </a:t>
+            </a:r>
+            <a:r>
+              <a:rPr lang="it-IT" b="1" dirty="0" err="1" smtClean="0"/>
+              <a:t>Sequence</a:t>
+            </a:r>
+            <a:r>
+              <a:rPr lang="it-IT" b="1" dirty="0" smtClean="0"/>
+              <a:t> </a:t>
+            </a:r>
+            <a:r>
+              <a:rPr lang="it-IT" b="1" dirty="0" err="1" smtClean="0"/>
+              <a:t>Diagram</a:t>
+            </a:r>
+            <a:r>
+              <a:rPr lang="it-IT" b="1" dirty="0" smtClean="0"/>
+              <a:t> p.2</a:t>
+            </a:r>
+            <a:endParaRPr lang="it-IT" b="1" dirty="0"/>
+          </a:p>
+        </p:txBody>
+      </p:sp>
+      <p:pic>
+        <p:nvPicPr>
+          <p:cNvPr id="2050" name="Picture 2"/>
+          <p:cNvPicPr>
+            <a:picLocks noChangeAspect="1" noChangeArrowheads="1"/>
+          </p:cNvPicPr>
+          <p:nvPr/>
+        </p:nvPicPr>
+        <p:blipFill>
+          <a:blip r:embed="rId2" cstate="print"/>
+          <a:srcRect/>
+          <a:stretch>
+            <a:fillRect/>
+          </a:stretch>
+        </p:blipFill>
+        <p:spPr bwMode="auto">
+          <a:xfrm>
+            <a:off x="971600" y="1412776"/>
+            <a:ext cx="7153275" cy="4552950"/>
+          </a:xfrm>
+          <a:prstGeom prst="rect">
+            <a:avLst/>
+          </a:prstGeom>
+          <a:noFill/>
+          <a:ln w="9525">
+            <a:noFill/>
+            <a:miter lim="800000"/>
+            <a:headEnd/>
+            <a:tailEnd/>
+          </a:ln>
+        </p:spPr>
+      </p:pic>
+      <p:pic>
+        <p:nvPicPr>
+          <p:cNvPr id="3074" name="Picture 2"/>
+          <p:cNvPicPr>
+            <a:picLocks noChangeAspect="1" noChangeArrowheads="1"/>
+          </p:cNvPicPr>
+          <p:nvPr/>
+        </p:nvPicPr>
+        <p:blipFill>
+          <a:blip r:embed="rId3" cstate="print"/>
+          <a:srcRect/>
+          <a:stretch>
+            <a:fillRect/>
+          </a:stretch>
+        </p:blipFill>
+        <p:spPr bwMode="auto">
+          <a:xfrm>
+            <a:off x="1501534" y="2043596"/>
+            <a:ext cx="6200775" cy="3971925"/>
+          </a:xfrm>
+          <a:prstGeom prst="rect">
+            <a:avLst/>
+          </a:prstGeom>
+          <a:noFill/>
+          <a:ln w="9525">
+            <a:noFill/>
+            <a:miter lim="800000"/>
+            <a:headEnd/>
+            <a:tailEnd/>
+          </a:ln>
+        </p:spPr>
+      </p:pic>
+    </p:spTree>
+  </p:cSld>
+  <p:clrMapOvr>
+    <a:masterClrMapping/>
+  </p:clrMapOvr>
+</p:sld>
+</file>
+
+<file path=ppt/slides/slide17.xml><?xml version="1.0" encoding="utf-8"?>
+<p:sld xmlns:a="http://schemas.openxmlformats.org/drawingml/2006/main" xmlns:r="http://schemas.openxmlformats.org/officeDocument/2006/relationships" xmlns:p="http://schemas.openxmlformats.org/presentationml/2006/main">
+  <p:cSld>
+    <p:spTree>
+      <p:nvGrpSpPr>
+        <p:cNvPr id="1" name=""/>
+        <p:cNvGrpSpPr/>
+        <p:nvPr/>
+      </p:nvGrpSpPr>
+      <p:grpSpPr>
+        <a:xfrm>
+          <a:off x="0" y="0"/>
+          <a:ext cx="0" cy="0"/>
+          <a:chOff x="0" y="0"/>
+          <a:chExt cx="0" cy="0"/>
+        </a:xfrm>
+      </p:grpSpPr>
+      <p:sp>
+        <p:nvSpPr>
+          <p:cNvPr id="3" name="Titolo 2"/>
+          <p:cNvSpPr>
+            <a:spLocks noGrp="1"/>
+          </p:cNvSpPr>
+          <p:nvPr>
+            <p:ph type="title"/>
+          </p:nvPr>
+        </p:nvSpPr>
+        <p:spPr/>
+        <p:txBody>
+          <a:bodyPr/>
+          <a:lstStyle/>
+          <a:p>
+            <a:r>
+              <a:rPr lang="it-IT" b="1" dirty="0" err="1" smtClean="0"/>
+              <a:t>Other</a:t>
+            </a:r>
+            <a:r>
+              <a:rPr lang="it-IT" b="1" dirty="0" smtClean="0"/>
+              <a:t> </a:t>
+            </a:r>
+            <a:r>
+              <a:rPr lang="it-IT" b="1" dirty="0" err="1" smtClean="0"/>
+              <a:t>arguments</a:t>
+            </a:r>
+            <a:endParaRPr lang="it-IT" b="1" dirty="0"/>
+          </a:p>
+        </p:txBody>
+      </p:sp>
+      <p:sp>
+        <p:nvSpPr>
+          <p:cNvPr id="4" name="Segnaposto contenuto 3"/>
+          <p:cNvSpPr>
+            <a:spLocks noGrp="1"/>
+          </p:cNvSpPr>
+          <p:nvPr>
+            <p:ph idx="1"/>
+          </p:nvPr>
+        </p:nvSpPr>
+        <p:spPr/>
+        <p:txBody>
+          <a:bodyPr/>
+          <a:lstStyle/>
+          <a:p>
+            <a:r>
+              <a:rPr lang="it-IT" sz="4400" dirty="0" err="1" smtClean="0"/>
+              <a:t>Delayed</a:t>
+            </a:r>
+            <a:r>
+              <a:rPr lang="it-IT" sz="4400" dirty="0" smtClean="0"/>
+              <a:t> </a:t>
+            </a:r>
+            <a:r>
+              <a:rPr lang="it-IT" sz="4400" dirty="0" err="1" smtClean="0"/>
+              <a:t>call</a:t>
+            </a:r>
+            <a:endParaRPr lang="it-IT" sz="4400" dirty="0" smtClean="0"/>
+          </a:p>
+          <a:p>
+            <a:r>
+              <a:rPr lang="it-IT" sz="4400" dirty="0" smtClean="0"/>
+              <a:t>Management </a:t>
+            </a:r>
+            <a:r>
+              <a:rPr lang="it-IT" sz="4400" dirty="0" err="1" smtClean="0"/>
+              <a:t>exception</a:t>
+            </a:r>
+            <a:endParaRPr lang="it-IT" sz="4400" dirty="0" smtClean="0"/>
+          </a:p>
+          <a:p>
+            <a:r>
+              <a:rPr lang="it-IT" sz="4400" dirty="0" err="1" smtClean="0"/>
+              <a:t>Alloy</a:t>
+            </a:r>
+            <a:r>
+              <a:rPr lang="it-IT" sz="4400" dirty="0" smtClean="0"/>
+              <a:t> in </a:t>
+            </a:r>
+            <a:r>
+              <a:rPr lang="it-IT" sz="4400" dirty="0" err="1" smtClean="0"/>
+              <a:t>all</a:t>
+            </a:r>
+            <a:r>
+              <a:rPr lang="it-IT" sz="4400" dirty="0" smtClean="0"/>
+              <a:t> </a:t>
+            </a:r>
+            <a:r>
+              <a:rPr lang="it-IT" sz="4400" dirty="0" err="1" smtClean="0"/>
+              <a:t>cases</a:t>
+            </a:r>
+            <a:endParaRPr lang="it-IT" sz="4400" dirty="0" smtClean="0"/>
+          </a:p>
+          <a:p>
+            <a:r>
+              <a:rPr lang="it-IT" sz="4400" dirty="0" smtClean="0"/>
+              <a:t>Test</a:t>
+            </a:r>
+          </a:p>
+          <a:p>
+            <a:r>
+              <a:rPr lang="it-IT" sz="4400" dirty="0" smtClean="0"/>
+              <a:t>The </a:t>
+            </a:r>
+            <a:r>
+              <a:rPr lang="it-IT" sz="4400" dirty="0" err="1" smtClean="0"/>
+              <a:t>tools</a:t>
+            </a:r>
+            <a:endParaRPr lang="it-IT" sz="4400" dirty="0" smtClean="0"/>
+          </a:p>
+          <a:p>
+            <a:endParaRPr lang="it-IT" dirty="0"/>
+          </a:p>
+        </p:txBody>
+      </p:sp>
+    </p:spTree>
+  </p:cSld>
+  <p:clrMapOvr>
+    <a:masterClrMapping/>
+  </p:clrMapOvr>
+</p:sld>
+</file>
+
 <file path=ppt/slides/slide2.xml><?xml version="1.0" encoding="utf-8"?>
 <p:sld xmlns:a="http://schemas.openxmlformats.org/drawingml/2006/main" xmlns:r="http://schemas.openxmlformats.org/officeDocument/2006/relationships" xmlns:p="http://schemas.openxmlformats.org/presentationml/2006/main">
   <p:cSld>
@@ -3822,19 +6011,7 @@
             </a:pPr>
             <a:r>
               <a:rPr lang="en-US" dirty="0" smtClean="0"/>
-              <a:t>• A taxi can always reach </a:t>
-            </a:r>
-            <a:r>
-              <a:rPr lang="en-US" dirty="0" smtClean="0"/>
-              <a:t>a pick-up </a:t>
-            </a:r>
-            <a:r>
-              <a:rPr lang="en-US" dirty="0" smtClean="0"/>
-              <a:t>place and the users can only </a:t>
-            </a:r>
-            <a:r>
-              <a:rPr lang="en-US" dirty="0" smtClean="0"/>
-              <a:t>choose d</a:t>
+              <a:t>• A taxi can always reach a pick-up place and the users can only choose d</a:t>
             </a:r>
             <a:r>
               <a:rPr lang="it-IT" dirty="0" err="1" smtClean="0"/>
@@ -3856,13 +6033,8 @@
             </a:pPr>
             <a:r>
               <a:rPr lang="en-US" dirty="0" smtClean="0"/>
-              <a:t>• A zone can't remain without at least one available </a:t>
-            </a:r>
-            <a:r>
-              <a:rPr lang="en-US" dirty="0" smtClean="0"/>
-              <a:t>taxi</a:t>
-            </a:r>
-            <a:endParaRPr lang="en-US" dirty="0" smtClean="0"/>
+              <a:t>• A zone can't remain without at least one available taxi</a:t>
+            </a:r>
           </a:p>
           <a:p>
             <a:pPr marL="0">
@@ -3870,13 +6042,8 @@
             </a:pPr>
             <a:r>
               <a:rPr lang="en-US" dirty="0" smtClean="0"/>
-              <a:t>• A taxi driver that accepts a call will take </a:t>
-            </a:r>
-            <a:r>
-              <a:rPr lang="en-US" dirty="0" smtClean="0"/>
-              <a:t>it</a:t>
-            </a:r>
-            <a:endParaRPr lang="en-US" dirty="0" smtClean="0"/>
+              <a:t>• A taxi driver that accepts a call will take it</a:t>
+            </a:r>
           </a:p>
           <a:p>
             <a:pPr marL="0">
@@ -3892,11 +6059,7 @@
             </a:r>
             <a:r>
               <a:rPr lang="en-US" dirty="0" smtClean="0"/>
-              <a:t> information and maps are always </a:t>
-            </a:r>
-            <a:r>
-              <a:rPr lang="en-US" dirty="0" smtClean="0"/>
-              <a:t>updated</a:t>
+              <a:t> information and maps are always updated</a:t>
             </a:r>
             <a:endParaRPr lang="it-IT" dirty="0"/>
           </a:p>
@@ -3960,19 +6123,7 @@
             </a:pPr>
             <a:r>
               <a:rPr lang="en-US" dirty="0" smtClean="0"/>
-              <a:t>• </a:t>
-            </a:r>
-            <a:r>
-              <a:rPr lang="en-US" dirty="0" smtClean="0"/>
-              <a:t>Two </a:t>
-            </a:r>
-            <a:r>
-              <a:rPr lang="en-US" dirty="0" smtClean="0"/>
-              <a:t>or more users can share a taxi only if their pick up place are in </a:t>
-            </a:r>
-            <a:r>
-              <a:rPr lang="en-US" dirty="0" smtClean="0"/>
-              <a:t>the </a:t>
+              <a:t>• Two or more users can share a taxi only if their pick up place are in the </a:t>
             </a:r>
             <a:r>
               <a:rPr lang="it-IT" dirty="0" err="1" smtClean="0"/>
@@ -3980,11 +6131,7 @@
             </a:r>
             <a:r>
               <a:rPr lang="it-IT" dirty="0" smtClean="0"/>
-              <a:t> </a:t>
-            </a:r>
-            <a:r>
-              <a:rPr lang="it-IT" dirty="0" smtClean="0"/>
-              <a:t>zone.</a:t>
+              <a:t> zone.</a:t>
             </a:r>
           </a:p>
           <a:p>
@@ -3993,19 +6140,7 @@
             </a:pPr>
             <a:r>
               <a:rPr lang="en-US" dirty="0" smtClean="0"/>
-              <a:t>• The taxi drivers have a device on-board to communicate with </a:t>
-            </a:r>
-            <a:r>
-              <a:rPr lang="en-US" dirty="0" smtClean="0"/>
-              <a:t>the system</a:t>
-            </a:r>
-            <a:r>
-              <a:rPr lang="en-US" dirty="0" smtClean="0"/>
-              <a:t>, that shows them the incoming calls and permits them to </a:t>
-            </a:r>
-            <a:r>
-              <a:rPr lang="en-US" dirty="0" smtClean="0"/>
-              <a:t>accept </a:t>
+              <a:t>• The taxi drivers have a device on-board to communicate with the system, that shows them the incoming calls and permits them to accept </a:t>
             </a:r>
             <a:r>
               <a:rPr lang="it-IT" dirty="0" smtClean="0"/>
@@ -4026,11 +6161,7 @@
             </a:pPr>
             <a:r>
               <a:rPr lang="en-US" dirty="0" smtClean="0"/>
-              <a:t>• </a:t>
-            </a:r>
-            <a:r>
-              <a:rPr lang="en-US" dirty="0" smtClean="0"/>
-              <a:t>Every taxi has a </a:t>
+              <a:t>• Every taxi has a </a:t>
             </a:r>
             <a:r>
               <a:rPr lang="en-US" dirty="0" err="1" smtClean="0"/>
@@ -4038,11 +6169,7 @@
             </a:r>
             <a:r>
               <a:rPr lang="en-US" dirty="0" smtClean="0"/>
-              <a:t>-signal that can always give their position to </a:t>
-            </a:r>
-            <a:r>
-              <a:rPr lang="en-US" dirty="0" smtClean="0"/>
-              <a:t>the </a:t>
+              <a:t>-signal that can always give their position to the </a:t>
             </a:r>
             <a:r>
               <a:rPr lang="it-IT" dirty="0" smtClean="0"/>
@@ -4114,22 +6241,14 @@
           <a:p>
             <a:r>
               <a:rPr lang="en-US" sz="3800" b="1" dirty="0" smtClean="0"/>
-              <a:t>Registration </a:t>
-            </a:r>
-            <a:r>
-              <a:rPr lang="en-US" sz="3800" b="1" dirty="0" smtClean="0"/>
-              <a:t>of a person to the system</a:t>
+              <a:t>Registration of a person to the system</a:t>
             </a:r>
           </a:p>
           <a:p>
             <a:pPr lvl="1"/>
             <a:r>
               <a:rPr lang="en-US" dirty="0" smtClean="0"/>
-              <a:t>the </a:t>
-            </a:r>
-            <a:r>
-              <a:rPr lang="en-US" dirty="0" smtClean="0"/>
-              <a:t>system has to provide a sign up functionality</a:t>
+              <a:t>the system has to provide a sign up functionality</a:t>
             </a:r>
           </a:p>
           <a:p>
@@ -4154,19 +6273,7 @@
             <a:pPr lvl="1"/>
             <a:r>
               <a:rPr lang="en-US" dirty="0" smtClean="0"/>
-              <a:t>the </a:t>
-            </a:r>
-            <a:r>
-              <a:rPr lang="en-US" dirty="0" smtClean="0"/>
-              <a:t>system has to provide a function that allows a user to modify </a:t>
-            </a:r>
-            <a:r>
-              <a:rPr lang="en-US" dirty="0" smtClean="0"/>
-              <a:t>his personal </a:t>
-            </a:r>
-            <a:r>
-              <a:rPr lang="en-US" dirty="0" smtClean="0"/>
-              <a:t>information, except for the number of calls and blank calls</a:t>
+              <a:t>the system has to provide a function that allows a user to modify his personal information, except for the number of calls and blank calls</a:t>
             </a:r>
           </a:p>
           <a:p>
@@ -4191,45 +6298,21 @@
             <a:pPr lvl="1"/>
             <a:r>
               <a:rPr lang="en-US" dirty="0" smtClean="0"/>
-              <a:t>the </a:t>
-            </a:r>
+              <a:t>the system has to provide a function to call for a taxi</a:t>
+            </a:r>
+          </a:p>
+          <a:p>
+            <a:pPr lvl="1"/>
             <a:r>
               <a:rPr lang="en-US" dirty="0" smtClean="0"/>
-              <a:t>system has to provide a function to call for a taxi</a:t>
+              <a:t>the user should be able to visualize the estimated arrival time and confirm or not his call</a:t>
             </a:r>
           </a:p>
           <a:p>
             <a:pPr lvl="1"/>
             <a:r>
               <a:rPr lang="en-US" dirty="0" smtClean="0"/>
-              <a:t>the </a:t>
-            </a:r>
-            <a:r>
-              <a:rPr lang="en-US" dirty="0" smtClean="0"/>
-              <a:t>user should be able to visualize the estimated arrival time </a:t>
-            </a:r>
-            <a:r>
-              <a:rPr lang="en-US" dirty="0" smtClean="0"/>
-              <a:t>and confirm </a:t>
-            </a:r>
-            <a:r>
-              <a:rPr lang="en-US" dirty="0" smtClean="0"/>
-              <a:t>or not his call</a:t>
-            </a:r>
-          </a:p>
-          <a:p>
-            <a:pPr lvl="1"/>
-            <a:r>
-              <a:rPr lang="en-US" dirty="0" smtClean="0"/>
-              <a:t>the </a:t>
-            </a:r>
-            <a:r>
-              <a:rPr lang="en-US" dirty="0" smtClean="0"/>
-              <a:t>system has to manage the number of calls and blank calls </a:t>
-            </a:r>
-            <a:r>
-              <a:rPr lang="en-US" dirty="0" smtClean="0"/>
-              <a:t>of </a:t>
+              <a:t>the system has to manage the number of calls and blank calls of </a:t>
             </a:r>
             <a:r>
               <a:rPr lang="it-IT" dirty="0" err="1" smtClean="0"/>
@@ -4248,45 +6331,21 @@
           <a:p>
             <a:r>
               <a:rPr lang="en-US" sz="3800" b="1" dirty="0" smtClean="0"/>
-              <a:t>Make </a:t>
-            </a:r>
-            <a:r>
-              <a:rPr lang="en-US" sz="3800" b="1" dirty="0" smtClean="0"/>
-              <a:t>a reservation for a taxi to a specified date and time</a:t>
+              <a:t>Make a reservation for a taxi to a specified date and time</a:t>
             </a:r>
           </a:p>
           <a:p>
             <a:pPr lvl="1"/>
             <a:r>
               <a:rPr lang="en-US" dirty="0" smtClean="0"/>
-              <a:t>the </a:t>
-            </a:r>
+              <a:t>the system has to provide a function to allow a user to call for a taxi in a specified date and time</a:t>
+            </a:r>
+          </a:p>
+          <a:p>
+            <a:pPr lvl="1"/>
             <a:r>
               <a:rPr lang="en-US" dirty="0" smtClean="0"/>
-              <a:t>system has to provide a function to allow a user to call for a </a:t>
-            </a:r>
-            <a:r>
-              <a:rPr lang="en-US" dirty="0" smtClean="0"/>
-              <a:t>taxi in </a:t>
-            </a:r>
-            <a:r>
-              <a:rPr lang="en-US" dirty="0" smtClean="0"/>
-              <a:t>a specified date and time</a:t>
-            </a:r>
-          </a:p>
-          <a:p>
-            <a:pPr lvl="1"/>
-            <a:r>
-              <a:rPr lang="en-US" dirty="0" smtClean="0"/>
-              <a:t>the </a:t>
-            </a:r>
-            <a:r>
-              <a:rPr lang="en-US" dirty="0" smtClean="0"/>
-              <a:t>system has to call for the taxi 10 minutes before the </a:t>
-            </a:r>
-            <a:r>
-              <a:rPr lang="en-US" dirty="0" smtClean="0"/>
-              <a:t>specified </a:t>
+              <a:t>the system has to call for the taxi 10 minutes before the specified </a:t>
             </a:r>
             <a:r>
               <a:rPr lang="it-IT" dirty="0" err="1" smtClean="0"/>
@@ -4297,65 +6356,29 @@
           <a:p>
             <a:r>
               <a:rPr lang="en-US" sz="3800" b="1" dirty="0" smtClean="0"/>
-              <a:t>Give </a:t>
+              <a:t>Give is </a:t>
             </a:r>
             <a:r>
               <a:rPr lang="en-US" sz="3800" b="1" dirty="0" smtClean="0"/>
-              <a:t>is </a:t>
-            </a:r>
-            <a:r>
-              <a:rPr lang="en-US" sz="3800" b="1" dirty="0" err="1" smtClean="0"/>
-              <a:t>avilability</a:t>
+              <a:t>availability </a:t>
             </a:r>
             <a:r>
               <a:rPr lang="en-US" sz="3800" b="1" dirty="0" smtClean="0"/>
-              <a:t> for sharing a run</a:t>
+              <a:t>for sharing a run</a:t>
             </a:r>
           </a:p>
           <a:p>
             <a:pPr lvl="1"/>
             <a:r>
               <a:rPr lang="en-US" dirty="0" smtClean="0"/>
-              <a:t>the </a:t>
-            </a:r>
+              <a:t>the system has to provide a function to allow a user to declare his availability for a taxi sharing</a:t>
+            </a:r>
+          </a:p>
+          <a:p>
+            <a:pPr lvl="1"/>
             <a:r>
               <a:rPr lang="en-US" dirty="0" smtClean="0"/>
-              <a:t>system has to provide a function to allow a user to declare </a:t>
-            </a:r>
-            <a:r>
-              <a:rPr lang="en-US" dirty="0" smtClean="0"/>
-              <a:t>his availability </a:t>
-            </a:r>
-            <a:r>
-              <a:rPr lang="en-US" dirty="0" smtClean="0"/>
-              <a:t>for a taxi sharing</a:t>
-            </a:r>
-          </a:p>
-          <a:p>
-            <a:pPr lvl="1"/>
-            <a:r>
-              <a:rPr lang="en-US" dirty="0" smtClean="0"/>
-              <a:t>the </a:t>
-            </a:r>
-            <a:r>
-              <a:rPr lang="en-US" dirty="0" smtClean="0"/>
-              <a:t>system has to search for other users in the same zone that want </a:t>
-            </a:r>
-            <a:r>
-              <a:rPr lang="en-US" dirty="0" smtClean="0"/>
-              <a:t>to share </a:t>
-            </a:r>
-            <a:r>
-              <a:rPr lang="en-US" dirty="0" smtClean="0"/>
-              <a:t>a ride, and automatically inform the interested users and </a:t>
-            </a:r>
-            <a:r>
-              <a:rPr lang="en-US" dirty="0" smtClean="0"/>
-              <a:t>the taxi </a:t>
-            </a:r>
-            <a:r>
-              <a:rPr lang="en-US" dirty="0" smtClean="0"/>
-              <a:t>driver; then, if they accepts, has to calculate the cost of the ride.</a:t>
+              <a:t>the system has to search for other users in the same zone that want to share a ride, and automatically inform the interested users and the taxi driver; then, if they accepts, has to calculate the cost of the ride.</a:t>
             </a:r>
           </a:p>
           <a:p>
@@ -4424,11 +6447,7 @@
             <a:pPr lvl="1"/>
             <a:r>
               <a:rPr lang="en-US" dirty="0" smtClean="0"/>
-              <a:t>the </a:t>
-            </a:r>
-            <a:r>
-              <a:rPr lang="en-US" dirty="0" smtClean="0"/>
-              <a:t>system has to provide a function to allow a user to modify a </a:t>
+              <a:t>the system has to provide a function to allow a user to modify a </a:t>
             </a:r>
             <a:r>
               <a:rPr lang="it-IT" dirty="0" smtClean="0"/>
@@ -4443,11 +6462,7 @@
             </a:r>
             <a:r>
               <a:rPr lang="it-IT" dirty="0" smtClean="0"/>
-              <a:t>personal location</a:t>
-            </a:r>
-            <a:r>
-              <a:rPr lang="it-IT" dirty="0" smtClean="0"/>
-              <a:t>.</a:t>
+              <a:t>personal location.</a:t>
             </a:r>
             <a:endParaRPr lang="it-IT" b="1" dirty="0" smtClean="0"/>
           </a:p>
@@ -4473,31 +6488,7 @@
             <a:pPr lvl="1"/>
             <a:r>
               <a:rPr lang="en-US" dirty="0" smtClean="0"/>
-              <a:t>the </a:t>
-            </a:r>
-            <a:r>
-              <a:rPr lang="en-US" dirty="0" smtClean="0"/>
-              <a:t>system has to provide a function that allows a user to </a:t>
-            </a:r>
-            <a:r>
-              <a:rPr lang="en-US" dirty="0" smtClean="0"/>
-              <a:t>visualize the </a:t>
-            </a:r>
-            <a:r>
-              <a:rPr lang="en-US" dirty="0" smtClean="0"/>
-              <a:t>information about his actual ride </a:t>
-            </a:r>
-            <a:r>
-              <a:rPr lang="en-US" dirty="0" smtClean="0"/>
-              <a:t>(basically </a:t>
-            </a:r>
-            <a:r>
-              <a:rPr lang="en-US" dirty="0" smtClean="0"/>
-              <a:t>the cost calculated </a:t>
-            </a:r>
-            <a:r>
-              <a:rPr lang="en-US" dirty="0" smtClean="0"/>
-              <a:t>by </a:t>
+              <a:t>the system has to provide a function that allows a user to visualize the information about his actual ride (basically the cost calculated by </a:t>
             </a:r>
             <a:r>
               <a:rPr lang="it-IT" dirty="0" smtClean="0"/>
@@ -4515,56 +6506,28 @@
           <a:p>
             <a:r>
               <a:rPr lang="en-US" sz="3800" b="1" dirty="0" smtClean="0"/>
-              <a:t>Accept </a:t>
-            </a:r>
-            <a:r>
-              <a:rPr lang="en-US" sz="3800" b="1" dirty="0" smtClean="0"/>
-              <a:t>or decline a call</a:t>
+              <a:t>Accept or decline a call</a:t>
             </a:r>
           </a:p>
           <a:p>
             <a:pPr lvl="1"/>
             <a:r>
               <a:rPr lang="en-US" dirty="0" smtClean="0"/>
-              <a:t>The </a:t>
-            </a:r>
+              <a:t>The system has to forward the calls to the first taxi of the queue</a:t>
+            </a:r>
+          </a:p>
+          <a:p>
+            <a:pPr lvl="1"/>
             <a:r>
               <a:rPr lang="en-US" dirty="0" smtClean="0"/>
-              <a:t>system has to forward the calls to the first taxi of the queue</a:t>
+              <a:t>The system has to provide a function to allow a taxi driver to accept or decline a call when he receives it</a:t>
             </a:r>
           </a:p>
           <a:p>
             <a:pPr lvl="1"/>
             <a:r>
               <a:rPr lang="en-US" dirty="0" smtClean="0"/>
-              <a:t>The </a:t>
-            </a:r>
-            <a:r>
-              <a:rPr lang="en-US" dirty="0" smtClean="0"/>
-              <a:t>system has to provide a function to allow a taxi driver to </a:t>
-            </a:r>
-            <a:r>
-              <a:rPr lang="en-US" dirty="0" smtClean="0"/>
-              <a:t>accept or </a:t>
-            </a:r>
-            <a:r>
-              <a:rPr lang="en-US" dirty="0" smtClean="0"/>
-              <a:t>decline a call when he receives it</a:t>
-            </a:r>
-          </a:p>
-          <a:p>
-            <a:pPr lvl="1"/>
-            <a:r>
-              <a:rPr lang="en-US" dirty="0" smtClean="0"/>
-              <a:t>If </a:t>
-            </a:r>
-            <a:r>
-              <a:rPr lang="en-US" dirty="0" smtClean="0"/>
-              <a:t>a call is d declined it at the end of the queue and send the call to the new first </a:t>
-            </a:r>
-            <a:r>
-              <a:rPr lang="en-US" dirty="0" smtClean="0"/>
-              <a:t>in </a:t>
+              <a:t>If a call is d declined it at the end of the queue and send the call to the new first in </a:t>
             </a:r>
             <a:r>
               <a:rPr lang="it-IT" dirty="0" smtClean="0"/>
@@ -4579,30 +6542,14 @@
           <a:p>
             <a:r>
               <a:rPr lang="en-US" sz="3800" b="1" dirty="0" smtClean="0"/>
-              <a:t>Visualize </a:t>
-            </a:r>
-            <a:r>
-              <a:rPr lang="en-US" sz="3800" b="1" dirty="0" smtClean="0"/>
-              <a:t>the basic information about a user who is making a call</a:t>
+              <a:t>Visualize the basic information about a user who is making a call</a:t>
             </a:r>
           </a:p>
           <a:p>
             <a:pPr lvl="1"/>
             <a:r>
               <a:rPr lang="en-US" dirty="0" smtClean="0"/>
-              <a:t>the </a:t>
-            </a:r>
-            <a:r>
-              <a:rPr lang="en-US" dirty="0" smtClean="0"/>
-              <a:t>system has to provide a function to allow a taxi driver to </a:t>
-            </a:r>
-            <a:r>
-              <a:rPr lang="en-US" dirty="0" smtClean="0"/>
-              <a:t>visualize the </a:t>
-            </a:r>
-            <a:r>
-              <a:rPr lang="en-US" dirty="0" smtClean="0"/>
-              <a:t>basic information of a user that is making a call</a:t>
+              <a:t>the system has to provide a function to allow a taxi driver to visualize the basic information of a user that is making a call</a:t>
             </a:r>
           </a:p>
           <a:p>
@@ -4612,11 +6559,7 @@
             </a:r>
             <a:r>
               <a:rPr lang="it-IT" sz="3800" b="1" dirty="0" smtClean="0"/>
-              <a:t> </a:t>
-            </a:r>
-            <a:r>
-              <a:rPr lang="it-IT" sz="3800" b="1" dirty="0" smtClean="0"/>
-              <a:t>a </a:t>
+              <a:t> a </a:t>
             </a:r>
             <a:r>
               <a:rPr lang="it-IT" sz="3800" b="1" dirty="0" err="1" smtClean="0"/>
@@ -4636,15 +6579,7 @@
             <a:pPr lvl="1"/>
             <a:r>
               <a:rPr lang="en-US" dirty="0" smtClean="0"/>
-              <a:t>the </a:t>
-            </a:r>
-            <a:r>
-              <a:rPr lang="en-US" dirty="0" smtClean="0"/>
-              <a:t>system has to provide a function to allow a taxi driver to signal </a:t>
-            </a:r>
-            <a:r>
-              <a:rPr lang="en-US" dirty="0" smtClean="0"/>
-              <a:t>a </a:t>
+              <a:t>the system has to provide a function to allow a taxi driver to signal a </a:t>
             </a:r>
             <a:r>
               <a:rPr lang="it-IT" dirty="0" err="1" smtClean="0"/>
@@ -4664,11 +6599,7 @@
             <a:pPr lvl="1"/>
             <a:r>
               <a:rPr lang="en-US" dirty="0" smtClean="0"/>
-              <a:t>the </a:t>
-            </a:r>
-            <a:r>
-              <a:rPr lang="en-US" dirty="0" smtClean="0"/>
-              <a:t>system has to put the taxi back in </a:t>
+              <a:t>the system has to put the taxi back in </a:t>
             </a:r>
             <a:r>
               <a:rPr lang="en-US" dirty="0" err="1" smtClean="0"/>
@@ -4676,11 +6607,7 @@
             </a:r>
             <a:r>
               <a:rPr lang="en-US" dirty="0" smtClean="0"/>
-              <a:t> queue and update </a:t>
-            </a:r>
-            <a:r>
-              <a:rPr lang="en-US" dirty="0" smtClean="0"/>
-              <a:t>the </a:t>
+              <a:t> queue and update the </a:t>
             </a:r>
             <a:r>
               <a:rPr lang="en-US" dirty="0" err="1" smtClean="0"/>
@@ -4688,19 +6615,7 @@
             </a:r>
             <a:r>
               <a:rPr lang="en-US" dirty="0" smtClean="0"/>
-              <a:t> </a:t>
-            </a:r>
-            <a:r>
-              <a:rPr lang="en-US" dirty="0" smtClean="0"/>
-              <a:t>attribute of the user </a:t>
-            </a:r>
-            <a:r>
-              <a:rPr lang="en-US" dirty="0" smtClean="0"/>
-              <a:t>declined</a:t>
-            </a:r>
-            <a:r>
-              <a:rPr lang="en-US" dirty="0" smtClean="0"/>
-              <a:t>, the system has to move the taxi driver that</a:t>
+              <a:t> attribute of the user declined, the system has to move the taxi driver that</a:t>
             </a:r>
             <a:endParaRPr lang="it-IT" dirty="0" smtClean="0"/>
           </a:p>
@@ -4791,11 +6706,7 @@
             </a:r>
             <a:r>
               <a:rPr lang="it-IT" sz="4100" b="1" dirty="0" smtClean="0"/>
-              <a:t> </a:t>
-            </a:r>
-            <a:r>
-              <a:rPr lang="it-IT" sz="4100" b="1" dirty="0" smtClean="0"/>
-              <a:t>can</a:t>
+              <a:t> can</a:t>
             </a:r>
           </a:p>
           <a:p>
@@ -4821,33 +6732,21 @@
           <a:p>
             <a:r>
               <a:rPr lang="it-IT" sz="4100" b="1" dirty="0" smtClean="0"/>
-              <a:t>Taxi </a:t>
-            </a:r>
-            <a:r>
-              <a:rPr lang="it-IT" sz="4100" b="1" dirty="0" smtClean="0"/>
-              <a:t>driver can</a:t>
+              <a:t>Taxi driver can</a:t>
             </a:r>
           </a:p>
           <a:p>
             <a:pPr lvl="1"/>
             <a:r>
               <a:rPr lang="en-US" dirty="0" smtClean="0"/>
-              <a:t>receive </a:t>
-            </a:r>
+              <a:t>receive notifications for the calls</a:t>
+            </a:r>
+          </a:p>
+          <a:p>
+            <a:pPr lvl="1"/>
             <a:r>
               <a:rPr lang="en-US" dirty="0" smtClean="0"/>
-              <a:t>notifications for the calls</a:t>
-            </a:r>
-          </a:p>
-          <a:p>
-            <a:pPr lvl="1"/>
-            <a:r>
-              <a:rPr lang="en-US" dirty="0" smtClean="0"/>
-              <a:t>visualize </a:t>
-            </a:r>
-            <a:r>
-              <a:rPr lang="en-US" dirty="0" smtClean="0"/>
-              <a:t>the basic information of a user that is making a call</a:t>
+              <a:t>visualize the basic information of a user that is making a call</a:t>
             </a:r>
           </a:p>
           <a:p>
@@ -4858,11 +6757,7 @@
             </a:r>
             <a:r>
               <a:rPr lang="it-IT" dirty="0" smtClean="0"/>
-              <a:t> </a:t>
-            </a:r>
-            <a:r>
-              <a:rPr lang="it-IT" dirty="0" smtClean="0"/>
-              <a:t>a </a:t>
+              <a:t> a </a:t>
             </a:r>
             <a:r>
               <a:rPr lang="it-IT" dirty="0" err="1" smtClean="0"/>
@@ -4878,11 +6773,7 @@
             </a:r>
             <a:r>
               <a:rPr lang="it-IT" dirty="0" smtClean="0"/>
-              <a:t> </a:t>
-            </a:r>
-            <a:r>
-              <a:rPr lang="it-IT" dirty="0" smtClean="0"/>
-              <a:t>a </a:t>
+              <a:t> a </a:t>
             </a:r>
             <a:r>
               <a:rPr lang="it-IT" dirty="0" err="1" smtClean="0"/>
@@ -4898,11 +6789,7 @@
             </a:r>
             <a:r>
               <a:rPr lang="it-IT" dirty="0" smtClean="0"/>
-              <a:t> </a:t>
-            </a:r>
-            <a:r>
-              <a:rPr lang="it-IT" dirty="0" smtClean="0"/>
-              <a:t>a </a:t>
+              <a:t> a </a:t>
             </a:r>
             <a:r>
               <a:rPr lang="it-IT" dirty="0" err="1" smtClean="0"/>
@@ -4943,48 +6830,28 @@
             </a:r>
             <a:r>
               <a:rPr lang="it-IT" sz="4100" b="1" dirty="0" smtClean="0"/>
-              <a:t> </a:t>
-            </a:r>
-            <a:r>
-              <a:rPr lang="it-IT" sz="4100" b="1" dirty="0" smtClean="0"/>
-              <a:t>can</a:t>
+              <a:t> can</a:t>
             </a:r>
           </a:p>
           <a:p>
             <a:pPr lvl="1"/>
             <a:r>
               <a:rPr lang="it-IT" dirty="0" smtClean="0"/>
-              <a:t>log </a:t>
-            </a:r>
+              <a:t>log in</a:t>
+            </a:r>
+          </a:p>
+          <a:p>
+            <a:pPr lvl="1"/>
             <a:r>
               <a:rPr lang="it-IT" dirty="0" smtClean="0"/>
-              <a:t>in</a:t>
+              <a:t>log out</a:t>
             </a:r>
           </a:p>
           <a:p>
             <a:pPr lvl="1"/>
             <a:r>
-              <a:rPr lang="it-IT" dirty="0" smtClean="0"/>
-              <a:t>log </a:t>
-            </a:r>
-            <a:r>
-              <a:rPr lang="it-IT" dirty="0" smtClean="0"/>
-              <a:t>out</a:t>
-            </a:r>
-          </a:p>
-          <a:p>
-            <a:pPr lvl="1"/>
-            <a:r>
               <a:rPr lang="en-US" dirty="0" smtClean="0"/>
-              <a:t>modify </a:t>
-            </a:r>
-            <a:r>
-              <a:rPr lang="en-US" dirty="0" smtClean="0"/>
-              <a:t>his personal information except for the number of calls </a:t>
-            </a:r>
-            <a:r>
-              <a:rPr lang="en-US" dirty="0" smtClean="0"/>
-              <a:t>and </a:t>
+              <a:t>modify his personal information except for the number of calls and </a:t>
             </a:r>
             <a:r>
               <a:rPr lang="it-IT" dirty="0" err="1" smtClean="0"/>
@@ -5004,61 +6871,36 @@
             <a:pPr lvl="1"/>
             <a:r>
               <a:rPr lang="en-US" dirty="0" smtClean="0"/>
-              <a:t>create </a:t>
-            </a:r>
+              <a:t>create a new personal location</a:t>
+            </a:r>
+          </a:p>
+          <a:p>
+            <a:pPr lvl="1"/>
             <a:r>
               <a:rPr lang="en-US" dirty="0" smtClean="0"/>
-              <a:t>a new personal location</a:t>
+              <a:t>modify an existing personal location</a:t>
             </a:r>
           </a:p>
           <a:p>
             <a:pPr lvl="1"/>
             <a:r>
               <a:rPr lang="en-US" dirty="0" smtClean="0"/>
-              <a:t>modify </a:t>
-            </a:r>
+              <a:t>delete an existing personal location</a:t>
+            </a:r>
+          </a:p>
+          <a:p>
+            <a:pPr lvl="1"/>
             <a:r>
               <a:rPr lang="en-US" dirty="0" smtClean="0"/>
-              <a:t>an existing personal location</a:t>
+              <a:t>do an immediate call for a taxi (shared or not)</a:t>
             </a:r>
           </a:p>
           <a:p>
             <a:pPr lvl="1"/>
             <a:r>
               <a:rPr lang="en-US" dirty="0" smtClean="0"/>
-              <a:t>delete </a:t>
-            </a:r>
-            <a:r>
-              <a:rPr lang="en-US" dirty="0" smtClean="0"/>
-              <a:t>an existing personal location</a:t>
-            </a:r>
-          </a:p>
-          <a:p>
-            <a:pPr lvl="1"/>
-            <a:r>
-              <a:rPr lang="en-US" dirty="0" smtClean="0"/>
-              <a:t>do </a:t>
-            </a:r>
-            <a:r>
-              <a:rPr lang="en-US" dirty="0" smtClean="0"/>
-              <a:t>an immediate call for a taxi (shared or not)</a:t>
-            </a:r>
-          </a:p>
-          <a:p>
-            <a:pPr lvl="1"/>
-            <a:r>
-              <a:rPr lang="en-US" dirty="0" smtClean="0"/>
-              <a:t>do </a:t>
-            </a:r>
-            <a:r>
-              <a:rPr lang="en-US" dirty="0" smtClean="0"/>
-              <a:t>a delayed call for a </a:t>
-            </a:r>
-            <a:r>
-              <a:rPr lang="en-US" dirty="0" smtClean="0"/>
-              <a:t>taxi</a:t>
-            </a:r>
-            <a:endParaRPr lang="en-US" dirty="0" smtClean="0"/>
+              <a:t>do a delayed call for a taxi</a:t>
+            </a:r>
           </a:p>
           <a:p>
             <a:pPr lvl="1"/>
@@ -5068,16 +6910,1237 @@
             </a:r>
             <a:r>
               <a:rPr lang="it-IT" dirty="0" smtClean="0"/>
+              <a:t> the ride information</a:t>
+            </a:r>
+            <a:endParaRPr lang="it-IT" dirty="0"/>
+          </a:p>
+        </p:txBody>
+      </p:sp>
+    </p:spTree>
+  </p:cSld>
+  <p:clrMapOvr>
+    <a:masterClrMapping/>
+  </p:clrMapOvr>
+</p:sld>
+</file>
+
+<file path=ppt/slides/slide7.xml><?xml version="1.0" encoding="utf-8"?>
+<p:sld xmlns:a="http://schemas.openxmlformats.org/drawingml/2006/main" xmlns:r="http://schemas.openxmlformats.org/officeDocument/2006/relationships" xmlns:p="http://schemas.openxmlformats.org/presentationml/2006/main">
+  <p:cSld>
+    <p:spTree>
+      <p:nvGrpSpPr>
+        <p:cNvPr id="1" name=""/>
+        <p:cNvGrpSpPr/>
+        <p:nvPr/>
+      </p:nvGrpSpPr>
+      <p:grpSpPr>
+        <a:xfrm>
+          <a:off x="0" y="0"/>
+          <a:ext cx="0" cy="0"/>
+          <a:chOff x="0" y="0"/>
+          <a:chExt cx="0" cy="0"/>
+        </a:xfrm>
+      </p:grpSpPr>
+      <p:pic>
+        <p:nvPicPr>
+          <p:cNvPr id="10" name="Immagine 9" descr="DiagrammadeiCasidUsoLogin.png"/>
+          <p:cNvPicPr>
+            <a:picLocks noChangeAspect="1"/>
+          </p:cNvPicPr>
+          <p:nvPr/>
+        </p:nvPicPr>
+        <p:blipFill>
+          <a:blip r:embed="rId2" cstate="print"/>
+          <a:stretch>
+            <a:fillRect/>
+          </a:stretch>
+        </p:blipFill>
+        <p:spPr>
+          <a:xfrm>
+            <a:off x="1331640" y="1340768"/>
+            <a:ext cx="8470682" cy="4850013"/>
+          </a:xfrm>
+          <a:prstGeom prst="rect">
+            <a:avLst/>
+          </a:prstGeom>
+        </p:spPr>
+      </p:pic>
+      <p:sp>
+        <p:nvSpPr>
+          <p:cNvPr id="9" name="Titolo 8"/>
+          <p:cNvSpPr>
+            <a:spLocks noGrp="1"/>
+          </p:cNvSpPr>
+          <p:nvPr>
+            <p:ph type="title"/>
+          </p:nvPr>
+        </p:nvSpPr>
+        <p:spPr/>
+        <p:txBody>
+          <a:bodyPr/>
+          <a:lstStyle/>
+          <a:p>
+            <a:r>
+              <a:rPr lang="it-IT" b="1" dirty="0" smtClean="0"/>
+              <a:t>Login</a:t>
+            </a:r>
+            <a:endParaRPr lang="it-IT" b="1" dirty="0"/>
+          </a:p>
+        </p:txBody>
+      </p:sp>
+      <p:pic>
+        <p:nvPicPr>
+          <p:cNvPr id="8" name="Segnaposto contenuto 7" descr="Login.jpg"/>
+          <p:cNvPicPr>
+            <a:picLocks noGrp="1" noChangeAspect="1"/>
+          </p:cNvPicPr>
+          <p:nvPr>
+            <p:ph idx="4294967295"/>
+          </p:nvPr>
+        </p:nvPicPr>
+        <p:blipFill>
+          <a:blip r:embed="rId3" cstate="print"/>
+          <a:stretch>
+            <a:fillRect/>
+          </a:stretch>
+        </p:blipFill>
+        <p:spPr>
+          <a:xfrm>
+            <a:off x="323528" y="2060848"/>
+            <a:ext cx="1809750" cy="2762250"/>
+          </a:xfrm>
+        </p:spPr>
+      </p:pic>
+    </p:spTree>
+  </p:cSld>
+  <p:clrMapOvr>
+    <a:masterClrMapping/>
+  </p:clrMapOvr>
+</p:sld>
+</file>
+
+<file path=ppt/slides/slide8.xml><?xml version="1.0" encoding="utf-8"?>
+<p:sld xmlns:a="http://schemas.openxmlformats.org/drawingml/2006/main" xmlns:r="http://schemas.openxmlformats.org/officeDocument/2006/relationships" xmlns:p="http://schemas.openxmlformats.org/presentationml/2006/main">
+  <p:cSld>
+    <p:spTree>
+      <p:nvGrpSpPr>
+        <p:cNvPr id="1" name=""/>
+        <p:cNvGrpSpPr/>
+        <p:nvPr/>
+      </p:nvGrpSpPr>
+      <p:grpSpPr>
+        <a:xfrm>
+          <a:off x="0" y="0"/>
+          <a:ext cx="0" cy="0"/>
+          <a:chOff x="0" y="0"/>
+          <a:chExt cx="0" cy="0"/>
+        </a:xfrm>
+      </p:grpSpPr>
+      <p:sp>
+        <p:nvSpPr>
+          <p:cNvPr id="2" name="Titolo 1"/>
+          <p:cNvSpPr>
+            <a:spLocks noGrp="1"/>
+          </p:cNvSpPr>
+          <p:nvPr>
+            <p:ph type="title"/>
+          </p:nvPr>
+        </p:nvSpPr>
+        <p:spPr/>
+        <p:txBody>
+          <a:bodyPr/>
+          <a:lstStyle/>
+          <a:p>
+            <a:r>
+              <a:rPr lang="it-IT" dirty="0" err="1" smtClean="0"/>
+              <a:t>Class</a:t>
+            </a:r>
+            <a:r>
+              <a:rPr lang="it-IT" dirty="0" smtClean="0"/>
               <a:t> </a:t>
             </a:r>
             <a:r>
-              <a:rPr lang="it-IT" dirty="0" smtClean="0"/>
-              <a:t>the ride information</a:t>
+              <a:rPr lang="it-IT" dirty="0" err="1" smtClean="0"/>
+              <a:t>Diagram</a:t>
             </a:r>
             <a:endParaRPr lang="it-IT" dirty="0"/>
           </a:p>
         </p:txBody>
       </p:sp>
+      <p:pic>
+        <p:nvPicPr>
+          <p:cNvPr id="4098" name="Picture 2"/>
+          <p:cNvPicPr>
+            <a:picLocks noChangeAspect="1" noChangeArrowheads="1"/>
+          </p:cNvPicPr>
+          <p:nvPr/>
+        </p:nvPicPr>
+        <p:blipFill>
+          <a:blip r:embed="rId2" cstate="print"/>
+          <a:srcRect/>
+          <a:stretch>
+            <a:fillRect/>
+          </a:stretch>
+        </p:blipFill>
+        <p:spPr bwMode="auto">
+          <a:xfrm>
+            <a:off x="2051720" y="1196752"/>
+            <a:ext cx="5040560" cy="5531935"/>
+          </a:xfrm>
+          <a:prstGeom prst="rect">
+            <a:avLst/>
+          </a:prstGeom>
+          <a:noFill/>
+          <a:ln w="9525">
+            <a:noFill/>
+            <a:miter lim="800000"/>
+            <a:headEnd/>
+            <a:tailEnd/>
+          </a:ln>
+        </p:spPr>
+      </p:pic>
+    </p:spTree>
+  </p:cSld>
+  <p:clrMapOvr>
+    <a:masterClrMapping/>
+  </p:clrMapOvr>
+</p:sld>
+</file>
+
+<file path=ppt/slides/slide9.xml><?xml version="1.0" encoding="utf-8"?>
+<p:sld xmlns:a="http://schemas.openxmlformats.org/drawingml/2006/main" xmlns:r="http://schemas.openxmlformats.org/officeDocument/2006/relationships" xmlns:p="http://schemas.openxmlformats.org/presentationml/2006/main">
+  <p:cSld>
+    <p:spTree>
+      <p:nvGrpSpPr>
+        <p:cNvPr id="1" name=""/>
+        <p:cNvGrpSpPr/>
+        <p:nvPr/>
+      </p:nvGrpSpPr>
+      <p:grpSpPr>
+        <a:xfrm>
+          <a:off x="0" y="0"/>
+          <a:ext cx="0" cy="0"/>
+          <a:chOff x="0" y="0"/>
+          <a:chExt cx="0" cy="0"/>
+        </a:xfrm>
+      </p:grpSpPr>
+      <p:sp>
+        <p:nvSpPr>
+          <p:cNvPr id="2" name="Titolo 1"/>
+          <p:cNvSpPr>
+            <a:spLocks noGrp="1"/>
+          </p:cNvSpPr>
+          <p:nvPr>
+            <p:ph type="title"/>
+          </p:nvPr>
+        </p:nvSpPr>
+        <p:spPr/>
+        <p:txBody>
+          <a:bodyPr/>
+          <a:lstStyle/>
+          <a:p>
+            <a:r>
+              <a:rPr lang="it-IT" b="1" dirty="0" smtClean="0"/>
+              <a:t>Standard </a:t>
+            </a:r>
+            <a:r>
+              <a:rPr lang="it-IT" b="1" dirty="0" err="1" smtClean="0"/>
+              <a:t>Call</a:t>
+            </a:r>
+            <a:r>
+              <a:rPr lang="it-IT" b="1" dirty="0" smtClean="0"/>
+              <a:t> - </a:t>
+            </a:r>
+            <a:r>
+              <a:rPr lang="it-IT" b="1" dirty="0" err="1" smtClean="0"/>
+              <a:t>Use</a:t>
+            </a:r>
+            <a:r>
+              <a:rPr lang="it-IT" b="1" dirty="0" smtClean="0"/>
+              <a:t> Case</a:t>
+            </a:r>
+            <a:endParaRPr lang="it-IT" b="1" dirty="0"/>
+          </a:p>
+        </p:txBody>
+      </p:sp>
+      <p:graphicFrame>
+        <p:nvGraphicFramePr>
+          <p:cNvPr id="6" name="Tabella 5"/>
+          <p:cNvGraphicFramePr>
+            <a:graphicFrameLocks noGrp="1"/>
+          </p:cNvGraphicFramePr>
+          <p:nvPr/>
+        </p:nvGraphicFramePr>
+        <p:xfrm>
+          <a:off x="395536" y="1484784"/>
+          <a:ext cx="8352928" cy="5011331"/>
+        </p:xfrm>
+        <a:graphic>
+          <a:graphicData uri="http://schemas.openxmlformats.org/drawingml/2006/table">
+            <a:tbl>
+              <a:tblPr/>
+              <a:tblGrid>
+                <a:gridCol w="1701523"/>
+                <a:gridCol w="6651405"/>
+              </a:tblGrid>
+              <a:tr h="235787">
+                <a:tc>
+                  <a:txBody>
+                    <a:bodyPr/>
+                    <a:lstStyle/>
+                    <a:p>
+                      <a:pPr>
+                        <a:spcAft>
+                          <a:spcPts val="0"/>
+                        </a:spcAft>
+                      </a:pPr>
+                      <a:r>
+                        <a:rPr lang="it-IT" sz="1800" b="1" kern="150" dirty="0" err="1">
+                          <a:latin typeface="+mj-lt"/>
+                          <a:ea typeface="Droid Sans Fallback"/>
+                          <a:cs typeface="FreeSans"/>
+                        </a:rPr>
+                        <a:t>Name</a:t>
+                      </a:r>
+                      <a:endParaRPr lang="it-IT" sz="1800" b="1" kern="150" dirty="0">
+                        <a:latin typeface="+mj-lt"/>
+                        <a:ea typeface="Droid Sans Fallback"/>
+                        <a:cs typeface="FreeSans"/>
+                      </a:endParaRPr>
+                    </a:p>
+                  </a:txBody>
+                  <a:tcPr marL="27432" marR="27432" marT="27432" marB="27432">
+                    <a:lnL w="12700" cap="flat" cmpd="sng" algn="ctr">
+                      <a:solidFill>
+                        <a:srgbClr val="000000"/>
+                      </a:solidFill>
+                      <a:prstDash val="solid"/>
+                      <a:round/>
+                      <a:headEnd type="none" w="med" len="med"/>
+                      <a:tailEnd type="none" w="med" len="med"/>
+                    </a:lnL>
+                    <a:lnR w="12700" cap="flat" cmpd="sng" algn="ctr">
+                      <a:solidFill>
+                        <a:srgbClr val="000000"/>
+                      </a:solidFill>
+                      <a:prstDash val="solid"/>
+                      <a:round/>
+                      <a:headEnd type="none" w="med" len="med"/>
+                      <a:tailEnd type="none" w="med" len="med"/>
+                    </a:lnR>
+                    <a:lnT w="12700" cap="flat" cmpd="sng" algn="ctr">
+                      <a:solidFill>
+                        <a:srgbClr val="000000"/>
+                      </a:solidFill>
+                      <a:prstDash val="solid"/>
+                      <a:round/>
+                      <a:headEnd type="none" w="med" len="med"/>
+                      <a:tailEnd type="none" w="med" len="med"/>
+                    </a:lnT>
+                    <a:lnB w="12700" cap="flat" cmpd="sng" algn="ctr">
+                      <a:solidFill>
+                        <a:srgbClr val="000000"/>
+                      </a:solidFill>
+                      <a:prstDash val="solid"/>
+                      <a:round/>
+                      <a:headEnd type="none" w="med" len="med"/>
+                      <a:tailEnd type="none" w="med" len="med"/>
+                    </a:lnB>
+                  </a:tcPr>
+                </a:tc>
+                <a:tc>
+                  <a:txBody>
+                    <a:bodyPr/>
+                    <a:lstStyle/>
+                    <a:p>
+                      <a:pPr>
+                        <a:spcAft>
+                          <a:spcPts val="0"/>
+                        </a:spcAft>
+                      </a:pPr>
+                      <a:r>
+                        <a:rPr lang="it-IT" sz="1400" kern="150">
+                          <a:latin typeface="+mn-lt"/>
+                          <a:ea typeface="Droid Sans Fallback"/>
+                          <a:cs typeface="FreeSans"/>
+                        </a:rPr>
+                        <a:t>Taxi request</a:t>
+                      </a:r>
+                    </a:p>
+                  </a:txBody>
+                  <a:tcPr marL="27432" marR="27432" marT="27432" marB="27432">
+                    <a:lnL w="12700" cap="flat" cmpd="sng" algn="ctr">
+                      <a:solidFill>
+                        <a:srgbClr val="000000"/>
+                      </a:solidFill>
+                      <a:prstDash val="solid"/>
+                      <a:round/>
+                      <a:headEnd type="none" w="med" len="med"/>
+                      <a:tailEnd type="none" w="med" len="med"/>
+                    </a:lnL>
+                    <a:lnR w="12700" cap="flat" cmpd="sng" algn="ctr">
+                      <a:solidFill>
+                        <a:srgbClr val="000000"/>
+                      </a:solidFill>
+                      <a:prstDash val="solid"/>
+                      <a:round/>
+                      <a:headEnd type="none" w="med" len="med"/>
+                      <a:tailEnd type="none" w="med" len="med"/>
+                    </a:lnR>
+                    <a:lnT w="12700" cap="flat" cmpd="sng" algn="ctr">
+                      <a:solidFill>
+                        <a:srgbClr val="000000"/>
+                      </a:solidFill>
+                      <a:prstDash val="solid"/>
+                      <a:round/>
+                      <a:headEnd type="none" w="med" len="med"/>
+                      <a:tailEnd type="none" w="med" len="med"/>
+                    </a:lnT>
+                    <a:lnB w="12700" cap="flat" cmpd="sng" algn="ctr">
+                      <a:solidFill>
+                        <a:srgbClr val="000000"/>
+                      </a:solidFill>
+                      <a:prstDash val="solid"/>
+                      <a:round/>
+                      <a:headEnd type="none" w="med" len="med"/>
+                      <a:tailEnd type="none" w="med" len="med"/>
+                    </a:lnB>
+                  </a:tcPr>
+                </a:tc>
+              </a:tr>
+              <a:tr h="235787">
+                <a:tc>
+                  <a:txBody>
+                    <a:bodyPr/>
+                    <a:lstStyle/>
+                    <a:p>
+                      <a:pPr>
+                        <a:spcAft>
+                          <a:spcPts val="0"/>
+                        </a:spcAft>
+                      </a:pPr>
+                      <a:r>
+                        <a:rPr lang="it-IT" sz="1800" b="1" kern="150">
+                          <a:latin typeface="+mj-lt"/>
+                          <a:ea typeface="Droid Sans Fallback"/>
+                          <a:cs typeface="FreeSans"/>
+                        </a:rPr>
+                        <a:t>Actors</a:t>
+                      </a:r>
+                    </a:p>
+                  </a:txBody>
+                  <a:tcPr marL="27432" marR="27432" marT="27432" marB="27432">
+                    <a:lnL w="12700" cap="flat" cmpd="sng" algn="ctr">
+                      <a:solidFill>
+                        <a:srgbClr val="000000"/>
+                      </a:solidFill>
+                      <a:prstDash val="solid"/>
+                      <a:round/>
+                      <a:headEnd type="none" w="med" len="med"/>
+                      <a:tailEnd type="none" w="med" len="med"/>
+                    </a:lnL>
+                    <a:lnR w="12700" cap="flat" cmpd="sng" algn="ctr">
+                      <a:solidFill>
+                        <a:srgbClr val="000000"/>
+                      </a:solidFill>
+                      <a:prstDash val="solid"/>
+                      <a:round/>
+                      <a:headEnd type="none" w="med" len="med"/>
+                      <a:tailEnd type="none" w="med" len="med"/>
+                    </a:lnR>
+                    <a:lnT w="12700" cap="flat" cmpd="sng" algn="ctr">
+                      <a:solidFill>
+                        <a:srgbClr val="000000"/>
+                      </a:solidFill>
+                      <a:prstDash val="solid"/>
+                      <a:round/>
+                      <a:headEnd type="none" w="med" len="med"/>
+                      <a:tailEnd type="none" w="med" len="med"/>
+                    </a:lnT>
+                    <a:lnB w="12700" cap="flat" cmpd="sng" algn="ctr">
+                      <a:solidFill>
+                        <a:srgbClr val="000000"/>
+                      </a:solidFill>
+                      <a:prstDash val="solid"/>
+                      <a:round/>
+                      <a:headEnd type="none" w="med" len="med"/>
+                      <a:tailEnd type="none" w="med" len="med"/>
+                    </a:lnB>
+                  </a:tcPr>
+                </a:tc>
+                <a:tc>
+                  <a:txBody>
+                    <a:bodyPr/>
+                    <a:lstStyle/>
+                    <a:p>
+                      <a:pPr>
+                        <a:spcAft>
+                          <a:spcPts val="0"/>
+                        </a:spcAft>
+                      </a:pPr>
+                      <a:r>
+                        <a:rPr lang="it-IT" sz="1400" kern="150">
+                          <a:latin typeface="+mn-lt"/>
+                          <a:ea typeface="Droid Sans Fallback"/>
+                          <a:cs typeface="FreeSans"/>
+                        </a:rPr>
+                        <a:t>User, Taxi Driver</a:t>
+                      </a:r>
+                    </a:p>
+                  </a:txBody>
+                  <a:tcPr marL="27432" marR="27432" marT="27432" marB="27432">
+                    <a:lnL w="12700" cap="flat" cmpd="sng" algn="ctr">
+                      <a:solidFill>
+                        <a:srgbClr val="000000"/>
+                      </a:solidFill>
+                      <a:prstDash val="solid"/>
+                      <a:round/>
+                      <a:headEnd type="none" w="med" len="med"/>
+                      <a:tailEnd type="none" w="med" len="med"/>
+                    </a:lnL>
+                    <a:lnR w="12700" cap="flat" cmpd="sng" algn="ctr">
+                      <a:solidFill>
+                        <a:srgbClr val="000000"/>
+                      </a:solidFill>
+                      <a:prstDash val="solid"/>
+                      <a:round/>
+                      <a:headEnd type="none" w="med" len="med"/>
+                      <a:tailEnd type="none" w="med" len="med"/>
+                    </a:lnR>
+                    <a:lnT w="12700" cap="flat" cmpd="sng" algn="ctr">
+                      <a:solidFill>
+                        <a:srgbClr val="000000"/>
+                      </a:solidFill>
+                      <a:prstDash val="solid"/>
+                      <a:round/>
+                      <a:headEnd type="none" w="med" len="med"/>
+                      <a:tailEnd type="none" w="med" len="med"/>
+                    </a:lnT>
+                    <a:lnB w="12700" cap="flat" cmpd="sng" algn="ctr">
+                      <a:solidFill>
+                        <a:srgbClr val="000000"/>
+                      </a:solidFill>
+                      <a:prstDash val="solid"/>
+                      <a:round/>
+                      <a:headEnd type="none" w="med" len="med"/>
+                      <a:tailEnd type="none" w="med" len="med"/>
+                    </a:lnB>
+                  </a:tcPr>
+                </a:tc>
+              </a:tr>
+              <a:tr h="404820">
+                <a:tc>
+                  <a:txBody>
+                    <a:bodyPr/>
+                    <a:lstStyle/>
+                    <a:p>
+                      <a:pPr>
+                        <a:spcAft>
+                          <a:spcPts val="0"/>
+                        </a:spcAft>
+                      </a:pPr>
+                      <a:r>
+                        <a:rPr lang="it-IT" sz="1800" b="1" kern="150">
+                          <a:latin typeface="+mj-lt"/>
+                          <a:ea typeface="Droid Sans Fallback"/>
+                          <a:cs typeface="FreeSans"/>
+                        </a:rPr>
+                        <a:t>Entry conditions</a:t>
+                      </a:r>
+                    </a:p>
+                  </a:txBody>
+                  <a:tcPr marL="27432" marR="27432" marT="27432" marB="27432">
+                    <a:lnL w="12700" cap="flat" cmpd="sng" algn="ctr">
+                      <a:solidFill>
+                        <a:srgbClr val="000000"/>
+                      </a:solidFill>
+                      <a:prstDash val="solid"/>
+                      <a:round/>
+                      <a:headEnd type="none" w="med" len="med"/>
+                      <a:tailEnd type="none" w="med" len="med"/>
+                    </a:lnL>
+                    <a:lnR w="12700" cap="flat" cmpd="sng" algn="ctr">
+                      <a:solidFill>
+                        <a:srgbClr val="000000"/>
+                      </a:solidFill>
+                      <a:prstDash val="solid"/>
+                      <a:round/>
+                      <a:headEnd type="none" w="med" len="med"/>
+                      <a:tailEnd type="none" w="med" len="med"/>
+                    </a:lnR>
+                    <a:lnT w="12700" cap="flat" cmpd="sng" algn="ctr">
+                      <a:solidFill>
+                        <a:srgbClr val="000000"/>
+                      </a:solidFill>
+                      <a:prstDash val="solid"/>
+                      <a:round/>
+                      <a:headEnd type="none" w="med" len="med"/>
+                      <a:tailEnd type="none" w="med" len="med"/>
+                    </a:lnT>
+                    <a:lnB w="12700" cap="flat" cmpd="sng" algn="ctr">
+                      <a:solidFill>
+                        <a:srgbClr val="000000"/>
+                      </a:solidFill>
+                      <a:prstDash val="solid"/>
+                      <a:round/>
+                      <a:headEnd type="none" w="med" len="med"/>
+                      <a:tailEnd type="none" w="med" len="med"/>
+                    </a:lnB>
+                  </a:tcPr>
+                </a:tc>
+                <a:tc>
+                  <a:txBody>
+                    <a:bodyPr/>
+                    <a:lstStyle/>
+                    <a:p>
+                      <a:pPr>
+                        <a:spcAft>
+                          <a:spcPts val="0"/>
+                        </a:spcAft>
+                      </a:pPr>
+                      <a:r>
+                        <a:rPr lang="en-US" sz="1400" kern="150">
+                          <a:latin typeface="+mn-lt"/>
+                          <a:ea typeface="Droid Sans Fallback"/>
+                          <a:cs typeface="FreeSans"/>
+                        </a:rPr>
+                        <a:t>User have to be logged in and must be in the reservation page</a:t>
+                      </a:r>
+                      <a:endParaRPr lang="it-IT" sz="1400" kern="150">
+                        <a:latin typeface="+mn-lt"/>
+                        <a:ea typeface="Droid Sans Fallback"/>
+                        <a:cs typeface="FreeSans"/>
+                      </a:endParaRPr>
+                    </a:p>
+                  </a:txBody>
+                  <a:tcPr marL="27432" marR="27432" marT="27432" marB="27432">
+                    <a:lnL w="12700" cap="flat" cmpd="sng" algn="ctr">
+                      <a:solidFill>
+                        <a:srgbClr val="000000"/>
+                      </a:solidFill>
+                      <a:prstDash val="solid"/>
+                      <a:round/>
+                      <a:headEnd type="none" w="med" len="med"/>
+                      <a:tailEnd type="none" w="med" len="med"/>
+                    </a:lnL>
+                    <a:lnR w="12700" cap="flat" cmpd="sng" algn="ctr">
+                      <a:solidFill>
+                        <a:srgbClr val="000000"/>
+                      </a:solidFill>
+                      <a:prstDash val="solid"/>
+                      <a:round/>
+                      <a:headEnd type="none" w="med" len="med"/>
+                      <a:tailEnd type="none" w="med" len="med"/>
+                    </a:lnR>
+                    <a:lnT w="12700" cap="flat" cmpd="sng" algn="ctr">
+                      <a:solidFill>
+                        <a:srgbClr val="000000"/>
+                      </a:solidFill>
+                      <a:prstDash val="solid"/>
+                      <a:round/>
+                      <a:headEnd type="none" w="med" len="med"/>
+                      <a:tailEnd type="none" w="med" len="med"/>
+                    </a:lnT>
+                    <a:lnB w="12700" cap="flat" cmpd="sng" algn="ctr">
+                      <a:solidFill>
+                        <a:srgbClr val="000000"/>
+                      </a:solidFill>
+                      <a:prstDash val="solid"/>
+                      <a:round/>
+                      <a:headEnd type="none" w="med" len="med"/>
+                      <a:tailEnd type="none" w="med" len="med"/>
+                    </a:lnB>
+                  </a:tcPr>
+                </a:tc>
+              </a:tr>
+              <a:tr h="2230819">
+                <a:tc>
+                  <a:txBody>
+                    <a:bodyPr/>
+                    <a:lstStyle/>
+                    <a:p>
+                      <a:pPr>
+                        <a:spcAft>
+                          <a:spcPts val="0"/>
+                        </a:spcAft>
+                      </a:pPr>
+                      <a:r>
+                        <a:rPr lang="it-IT" sz="1800" b="1" kern="150">
+                          <a:latin typeface="+mj-lt"/>
+                          <a:ea typeface="Droid Sans Fallback"/>
+                          <a:cs typeface="FreeSans"/>
+                        </a:rPr>
+                        <a:t>Flow of events</a:t>
+                      </a:r>
+                    </a:p>
+                  </a:txBody>
+                  <a:tcPr marL="27432" marR="27432" marT="27432" marB="27432">
+                    <a:lnL w="12700" cap="flat" cmpd="sng" algn="ctr">
+                      <a:solidFill>
+                        <a:srgbClr val="000000"/>
+                      </a:solidFill>
+                      <a:prstDash val="solid"/>
+                      <a:round/>
+                      <a:headEnd type="none" w="med" len="med"/>
+                      <a:tailEnd type="none" w="med" len="med"/>
+                    </a:lnL>
+                    <a:lnR w="12700" cap="flat" cmpd="sng" algn="ctr">
+                      <a:solidFill>
+                        <a:srgbClr val="000000"/>
+                      </a:solidFill>
+                      <a:prstDash val="solid"/>
+                      <a:round/>
+                      <a:headEnd type="none" w="med" len="med"/>
+                      <a:tailEnd type="none" w="med" len="med"/>
+                    </a:lnR>
+                    <a:lnT w="12700" cap="flat" cmpd="sng" algn="ctr">
+                      <a:solidFill>
+                        <a:srgbClr val="000000"/>
+                      </a:solidFill>
+                      <a:prstDash val="solid"/>
+                      <a:round/>
+                      <a:headEnd type="none" w="med" len="med"/>
+                      <a:tailEnd type="none" w="med" len="med"/>
+                    </a:lnT>
+                    <a:lnB w="12700" cap="flat" cmpd="sng" algn="ctr">
+                      <a:solidFill>
+                        <a:srgbClr val="000000"/>
+                      </a:solidFill>
+                      <a:prstDash val="solid"/>
+                      <a:round/>
+                      <a:headEnd type="none" w="med" len="med"/>
+                      <a:tailEnd type="none" w="med" len="med"/>
+                    </a:lnB>
+                  </a:tcPr>
+                </a:tc>
+                <a:tc>
+                  <a:txBody>
+                    <a:bodyPr/>
+                    <a:lstStyle/>
+                    <a:p>
+                      <a:pPr marL="342900" lvl="0" indent="-342900">
+                        <a:spcAft>
+                          <a:spcPts val="0"/>
+                        </a:spcAft>
+                        <a:buFont typeface="Arial"/>
+                        <a:buChar char="•"/>
+                      </a:pPr>
+                      <a:r>
+                        <a:rPr lang="en-US" sz="1400" kern="150">
+                          <a:latin typeface="+mn-lt"/>
+                          <a:ea typeface="OpenSymbol"/>
+                          <a:cs typeface="OpenSymbol"/>
+                        </a:rPr>
+                        <a:t>The user request a taxi in his actual position</a:t>
+                      </a:r>
+                      <a:endParaRPr lang="it-IT" sz="1400" kern="150">
+                        <a:latin typeface="+mn-lt"/>
+                        <a:ea typeface="OpenSymbol"/>
+                        <a:cs typeface="OpenSymbol"/>
+                      </a:endParaRPr>
+                    </a:p>
+                    <a:p>
+                      <a:pPr marL="342900" lvl="0" indent="-342900">
+                        <a:spcAft>
+                          <a:spcPts val="0"/>
+                        </a:spcAft>
+                        <a:buFont typeface="Arial"/>
+                        <a:buChar char="•"/>
+                      </a:pPr>
+                      <a:r>
+                        <a:rPr lang="en-US" sz="1400" kern="150">
+                          <a:latin typeface="+mn-lt"/>
+                          <a:ea typeface="OpenSymbol"/>
+                          <a:cs typeface="OpenSymbol"/>
+                        </a:rPr>
+                        <a:t>The system send the request and the user's basic information to the first available taxi driver in the zone</a:t>
+                      </a:r>
+                      <a:endParaRPr lang="it-IT" sz="1400" kern="150">
+                        <a:latin typeface="+mn-lt"/>
+                        <a:ea typeface="OpenSymbol"/>
+                        <a:cs typeface="OpenSymbol"/>
+                      </a:endParaRPr>
+                    </a:p>
+                    <a:p>
+                      <a:pPr marL="342900" lvl="0" indent="-342900">
+                        <a:spcAft>
+                          <a:spcPts val="0"/>
+                        </a:spcAft>
+                        <a:buFont typeface="Arial"/>
+                        <a:buChar char="•"/>
+                      </a:pPr>
+                      <a:r>
+                        <a:rPr lang="en-US" sz="1400" kern="150">
+                          <a:latin typeface="+mn-lt"/>
+                          <a:ea typeface="OpenSymbol"/>
+                          <a:cs typeface="OpenSymbol"/>
+                        </a:rPr>
+                        <a:t>The taxi driver accepts the request.</a:t>
+                      </a:r>
+                      <a:endParaRPr lang="it-IT" sz="1400" kern="150">
+                        <a:latin typeface="+mn-lt"/>
+                        <a:ea typeface="OpenSymbol"/>
+                        <a:cs typeface="OpenSymbol"/>
+                      </a:endParaRPr>
+                    </a:p>
+                    <a:p>
+                      <a:pPr marL="342900" lvl="0" indent="-342900">
+                        <a:spcAft>
+                          <a:spcPts val="0"/>
+                        </a:spcAft>
+                        <a:buFont typeface="Arial"/>
+                        <a:buChar char="•"/>
+                      </a:pPr>
+                      <a:r>
+                        <a:rPr lang="en-US" sz="1400" kern="150">
+                          <a:latin typeface="+mn-lt"/>
+                          <a:ea typeface="OpenSymbol"/>
+                          <a:cs typeface="OpenSymbol"/>
+                        </a:rPr>
+                        <a:t>The system send to the user the expected waiting time and the code of the incoming taxi, and place the taxi driver in “waiting” state</a:t>
+                      </a:r>
+                      <a:endParaRPr lang="it-IT" sz="1400" kern="150">
+                        <a:latin typeface="+mn-lt"/>
+                        <a:ea typeface="OpenSymbol"/>
+                        <a:cs typeface="OpenSymbol"/>
+                      </a:endParaRPr>
+                    </a:p>
+                    <a:p>
+                      <a:pPr marL="342900" lvl="0" indent="-342900">
+                        <a:spcAft>
+                          <a:spcPts val="0"/>
+                        </a:spcAft>
+                        <a:buFont typeface="Arial"/>
+                        <a:buChar char="•"/>
+                      </a:pPr>
+                      <a:r>
+                        <a:rPr lang="en-US" sz="1400" kern="150">
+                          <a:latin typeface="+mn-lt"/>
+                          <a:ea typeface="OpenSymbol"/>
+                          <a:cs typeface="OpenSymbol"/>
+                        </a:rPr>
+                        <a:t>the user confirms the request within 1 minute</a:t>
+                      </a:r>
+                      <a:endParaRPr lang="it-IT" sz="1400" kern="150">
+                        <a:latin typeface="+mn-lt"/>
+                        <a:ea typeface="OpenSymbol"/>
+                        <a:cs typeface="OpenSymbol"/>
+                      </a:endParaRPr>
+                    </a:p>
+                    <a:p>
+                      <a:pPr marL="342900" lvl="0" indent="-342900">
+                        <a:spcAft>
+                          <a:spcPts val="0"/>
+                        </a:spcAft>
+                        <a:buFont typeface="Arial"/>
+                        <a:buChar char="•"/>
+                      </a:pPr>
+                      <a:r>
+                        <a:rPr lang="en-US" sz="1400" kern="150">
+                          <a:latin typeface="+mn-lt"/>
+                          <a:ea typeface="OpenSymbol"/>
+                          <a:cs typeface="OpenSymbol"/>
+                        </a:rPr>
+                        <a:t> the system  removes  the taxi driver form the queue and give to him/her confirmation</a:t>
+                      </a:r>
+                      <a:endParaRPr lang="it-IT" sz="1400" kern="150">
+                        <a:latin typeface="+mn-lt"/>
+                        <a:ea typeface="OpenSymbol"/>
+                        <a:cs typeface="OpenSymbol"/>
+                      </a:endParaRPr>
+                    </a:p>
+                    <a:p>
+                      <a:pPr marL="342900" lvl="0" indent="-342900">
+                        <a:spcAft>
+                          <a:spcPts val="0"/>
+                        </a:spcAft>
+                        <a:buFont typeface="Arial"/>
+                        <a:buChar char="•"/>
+                      </a:pPr>
+                      <a:r>
+                        <a:rPr lang="en-US" sz="1400" kern="150">
+                          <a:latin typeface="+mn-lt"/>
+                          <a:ea typeface="OpenSymbol"/>
+                          <a:cs typeface="OpenSymbol"/>
+                        </a:rPr>
+                        <a:t>The taxi driver goes to pick up the user and brings him/her to the destination.</a:t>
+                      </a:r>
+                      <a:endParaRPr lang="it-IT" sz="1400" kern="150">
+                        <a:latin typeface="+mn-lt"/>
+                        <a:ea typeface="OpenSymbol"/>
+                        <a:cs typeface="OpenSymbol"/>
+                      </a:endParaRPr>
+                    </a:p>
+                    <a:p>
+                      <a:pPr marL="342900" lvl="0" indent="-342900">
+                        <a:spcAft>
+                          <a:spcPts val="0"/>
+                        </a:spcAft>
+                        <a:buFont typeface="Arial"/>
+                        <a:buChar char="•"/>
+                      </a:pPr>
+                      <a:r>
+                        <a:rPr lang="en-US" sz="1400" kern="150">
+                          <a:latin typeface="+mn-lt"/>
+                          <a:ea typeface="OpenSymbol"/>
+                          <a:cs typeface="OpenSymbol"/>
+                        </a:rPr>
+                        <a:t>The taxi driver informs the system about his/her availability.</a:t>
+                      </a:r>
+                      <a:endParaRPr lang="it-IT" sz="1400" kern="150">
+                        <a:latin typeface="+mn-lt"/>
+                        <a:ea typeface="OpenSymbol"/>
+                        <a:cs typeface="OpenSymbol"/>
+                      </a:endParaRPr>
+                    </a:p>
+                  </a:txBody>
+                  <a:tcPr marL="27432" marR="27432" marT="27432" marB="27432">
+                    <a:lnL w="12700" cap="flat" cmpd="sng" algn="ctr">
+                      <a:solidFill>
+                        <a:srgbClr val="000000"/>
+                      </a:solidFill>
+                      <a:prstDash val="solid"/>
+                      <a:round/>
+                      <a:headEnd type="none" w="med" len="med"/>
+                      <a:tailEnd type="none" w="med" len="med"/>
+                    </a:lnL>
+                    <a:lnR w="12700" cap="flat" cmpd="sng" algn="ctr">
+                      <a:solidFill>
+                        <a:srgbClr val="000000"/>
+                      </a:solidFill>
+                      <a:prstDash val="solid"/>
+                      <a:round/>
+                      <a:headEnd type="none" w="med" len="med"/>
+                      <a:tailEnd type="none" w="med" len="med"/>
+                    </a:lnR>
+                    <a:lnT w="12700" cap="flat" cmpd="sng" algn="ctr">
+                      <a:solidFill>
+                        <a:srgbClr val="000000"/>
+                      </a:solidFill>
+                      <a:prstDash val="solid"/>
+                      <a:round/>
+                      <a:headEnd type="none" w="med" len="med"/>
+                      <a:tailEnd type="none" w="med" len="med"/>
+                    </a:lnT>
+                    <a:lnB w="12700" cap="flat" cmpd="sng" algn="ctr">
+                      <a:solidFill>
+                        <a:srgbClr val="000000"/>
+                      </a:solidFill>
+                      <a:prstDash val="solid"/>
+                      <a:round/>
+                      <a:headEnd type="none" w="med" len="med"/>
+                      <a:tailEnd type="none" w="med" len="med"/>
+                    </a:lnB>
+                  </a:tcPr>
+                </a:tc>
+              </a:tr>
+              <a:tr h="442552">
+                <a:tc>
+                  <a:txBody>
+                    <a:bodyPr/>
+                    <a:lstStyle/>
+                    <a:p>
+                      <a:pPr>
+                        <a:spcAft>
+                          <a:spcPts val="0"/>
+                        </a:spcAft>
+                      </a:pPr>
+                      <a:r>
+                        <a:rPr lang="it-IT" sz="1800" b="1" kern="150">
+                          <a:latin typeface="+mj-lt"/>
+                          <a:ea typeface="Droid Sans Fallback"/>
+                          <a:cs typeface="FreeSans"/>
+                        </a:rPr>
+                        <a:t>Exit conditions</a:t>
+                      </a:r>
+                    </a:p>
+                  </a:txBody>
+                  <a:tcPr marL="27432" marR="27432" marT="27432" marB="27432">
+                    <a:lnL w="12700" cap="flat" cmpd="sng" algn="ctr">
+                      <a:solidFill>
+                        <a:srgbClr val="000000"/>
+                      </a:solidFill>
+                      <a:prstDash val="solid"/>
+                      <a:round/>
+                      <a:headEnd type="none" w="med" len="med"/>
+                      <a:tailEnd type="none" w="med" len="med"/>
+                    </a:lnL>
+                    <a:lnR w="12700" cap="flat" cmpd="sng" algn="ctr">
+                      <a:solidFill>
+                        <a:srgbClr val="000000"/>
+                      </a:solidFill>
+                      <a:prstDash val="solid"/>
+                      <a:round/>
+                      <a:headEnd type="none" w="med" len="med"/>
+                      <a:tailEnd type="none" w="med" len="med"/>
+                    </a:lnR>
+                    <a:lnT w="12700" cap="flat" cmpd="sng" algn="ctr">
+                      <a:solidFill>
+                        <a:srgbClr val="000000"/>
+                      </a:solidFill>
+                      <a:prstDash val="solid"/>
+                      <a:round/>
+                      <a:headEnd type="none" w="med" len="med"/>
+                      <a:tailEnd type="none" w="med" len="med"/>
+                    </a:lnT>
+                    <a:lnB w="12700" cap="flat" cmpd="sng" algn="ctr">
+                      <a:solidFill>
+                        <a:srgbClr val="000000"/>
+                      </a:solidFill>
+                      <a:prstDash val="solid"/>
+                      <a:round/>
+                      <a:headEnd type="none" w="med" len="med"/>
+                      <a:tailEnd type="none" w="med" len="med"/>
+                    </a:lnB>
+                  </a:tcPr>
+                </a:tc>
+                <a:tc>
+                  <a:txBody>
+                    <a:bodyPr/>
+                    <a:lstStyle/>
+                    <a:p>
+                      <a:pPr marL="342900" lvl="0" indent="-342900">
+                        <a:spcAft>
+                          <a:spcPts val="0"/>
+                        </a:spcAft>
+                        <a:buFont typeface="Arial"/>
+                        <a:buChar char="•"/>
+                      </a:pPr>
+                      <a:r>
+                        <a:rPr lang="en-US" sz="1400" kern="150">
+                          <a:latin typeface="+mn-lt"/>
+                          <a:ea typeface="OpenSymbol"/>
+                          <a:cs typeface="OpenSymbol"/>
+                        </a:rPr>
+                        <a:t>The System put the taxi driver in the last position of his/her actual zone's queue  </a:t>
+                      </a:r>
+                      <a:endParaRPr lang="it-IT" sz="1400" kern="150">
+                        <a:latin typeface="+mn-lt"/>
+                        <a:ea typeface="OpenSymbol"/>
+                        <a:cs typeface="OpenSymbol"/>
+                      </a:endParaRPr>
+                    </a:p>
+                  </a:txBody>
+                  <a:tcPr marL="27432" marR="27432" marT="27432" marB="27432">
+                    <a:lnL w="12700" cap="flat" cmpd="sng" algn="ctr">
+                      <a:solidFill>
+                        <a:srgbClr val="000000"/>
+                      </a:solidFill>
+                      <a:prstDash val="solid"/>
+                      <a:round/>
+                      <a:headEnd type="none" w="med" len="med"/>
+                      <a:tailEnd type="none" w="med" len="med"/>
+                    </a:lnL>
+                    <a:lnR w="12700" cap="flat" cmpd="sng" algn="ctr">
+                      <a:solidFill>
+                        <a:srgbClr val="000000"/>
+                      </a:solidFill>
+                      <a:prstDash val="solid"/>
+                      <a:round/>
+                      <a:headEnd type="none" w="med" len="med"/>
+                      <a:tailEnd type="none" w="med" len="med"/>
+                    </a:lnR>
+                    <a:lnT w="12700" cap="flat" cmpd="sng" algn="ctr">
+                      <a:solidFill>
+                        <a:srgbClr val="000000"/>
+                      </a:solidFill>
+                      <a:prstDash val="solid"/>
+                      <a:round/>
+                      <a:headEnd type="none" w="med" len="med"/>
+                      <a:tailEnd type="none" w="med" len="med"/>
+                    </a:lnT>
+                    <a:lnB w="12700" cap="flat" cmpd="sng" algn="ctr">
+                      <a:solidFill>
+                        <a:srgbClr val="000000"/>
+                      </a:solidFill>
+                      <a:prstDash val="solid"/>
+                      <a:round/>
+                      <a:headEnd type="none" w="med" len="med"/>
+                      <a:tailEnd type="none" w="med" len="med"/>
+                    </a:lnB>
+                  </a:tcPr>
+                </a:tc>
+              </a:tr>
+              <a:tr h="1274772">
+                <a:tc>
+                  <a:txBody>
+                    <a:bodyPr/>
+                    <a:lstStyle/>
+                    <a:p>
+                      <a:pPr>
+                        <a:spcAft>
+                          <a:spcPts val="0"/>
+                        </a:spcAft>
+                      </a:pPr>
+                      <a:r>
+                        <a:rPr lang="it-IT" sz="1800" b="1" kern="150" dirty="0" err="1">
+                          <a:latin typeface="+mj-lt"/>
+                          <a:ea typeface="Droid Sans Fallback"/>
+                          <a:cs typeface="FreeSans"/>
+                        </a:rPr>
+                        <a:t>Exceptions</a:t>
+                      </a:r>
+                      <a:endParaRPr lang="it-IT" sz="1800" b="1" kern="150" dirty="0">
+                        <a:latin typeface="+mj-lt"/>
+                        <a:ea typeface="Droid Sans Fallback"/>
+                        <a:cs typeface="FreeSans"/>
+                      </a:endParaRPr>
+                    </a:p>
+                  </a:txBody>
+                  <a:tcPr marL="27432" marR="27432" marT="27432" marB="27432">
+                    <a:lnL w="12700" cap="flat" cmpd="sng" algn="ctr">
+                      <a:solidFill>
+                        <a:srgbClr val="000000"/>
+                      </a:solidFill>
+                      <a:prstDash val="solid"/>
+                      <a:round/>
+                      <a:headEnd type="none" w="med" len="med"/>
+                      <a:tailEnd type="none" w="med" len="med"/>
+                    </a:lnL>
+                    <a:lnR w="12700" cap="flat" cmpd="sng" algn="ctr">
+                      <a:solidFill>
+                        <a:srgbClr val="000000"/>
+                      </a:solidFill>
+                      <a:prstDash val="solid"/>
+                      <a:round/>
+                      <a:headEnd type="none" w="med" len="med"/>
+                      <a:tailEnd type="none" w="med" len="med"/>
+                    </a:lnR>
+                    <a:lnT w="12700" cap="flat" cmpd="sng" algn="ctr">
+                      <a:solidFill>
+                        <a:srgbClr val="000000"/>
+                      </a:solidFill>
+                      <a:prstDash val="solid"/>
+                      <a:round/>
+                      <a:headEnd type="none" w="med" len="med"/>
+                      <a:tailEnd type="none" w="med" len="med"/>
+                    </a:lnT>
+                    <a:lnB w="12700" cap="flat" cmpd="sng" algn="ctr">
+                      <a:solidFill>
+                        <a:srgbClr val="000000"/>
+                      </a:solidFill>
+                      <a:prstDash val="solid"/>
+                      <a:round/>
+                      <a:headEnd type="none" w="med" len="med"/>
+                      <a:tailEnd type="none" w="med" len="med"/>
+                    </a:lnB>
+                  </a:tcPr>
+                </a:tc>
+                <a:tc>
+                  <a:txBody>
+                    <a:bodyPr/>
+                    <a:lstStyle/>
+                    <a:p>
+                      <a:pPr marL="342900" lvl="0" indent="-342900">
+                        <a:spcAft>
+                          <a:spcPts val="0"/>
+                        </a:spcAft>
+                        <a:buFont typeface="Arial"/>
+                        <a:buChar char="•"/>
+                      </a:pPr>
+                      <a:r>
+                        <a:rPr lang="en-US" sz="1400" kern="150" dirty="0">
+                          <a:latin typeface="+mn-lt"/>
+                          <a:ea typeface="OpenSymbol"/>
+                          <a:cs typeface="OpenSymbol"/>
+                        </a:rPr>
+                        <a:t>The taxi driver doesn't accept the call. In this case the system forwards the request to the second in the queue and move the first taxi in the last position in the queue.</a:t>
+                      </a:r>
+                      <a:endParaRPr lang="it-IT" sz="1400" kern="150" dirty="0">
+                        <a:latin typeface="+mn-lt"/>
+                        <a:ea typeface="OpenSymbol"/>
+                        <a:cs typeface="OpenSymbol"/>
+                      </a:endParaRPr>
+                    </a:p>
+                    <a:p>
+                      <a:pPr marL="342900" lvl="0" indent="-342900">
+                        <a:spcAft>
+                          <a:spcPts val="0"/>
+                        </a:spcAft>
+                        <a:buFont typeface="Arial"/>
+                        <a:buChar char="•"/>
+                      </a:pPr>
+                      <a:r>
+                        <a:rPr lang="en-US" sz="1400" kern="150" dirty="0">
+                          <a:latin typeface="+mn-lt"/>
+                          <a:ea typeface="OpenSymbol"/>
+                          <a:cs typeface="OpenSymbol"/>
+                        </a:rPr>
+                        <a:t>The user does not confirm his request after receiving notification of the expected arrival time. In this case the system put the taxi driver in “available” state.  </a:t>
+                      </a:r>
+                      <a:endParaRPr lang="it-IT" sz="1400" kern="150" dirty="0">
+                        <a:latin typeface="+mn-lt"/>
+                        <a:ea typeface="OpenSymbol"/>
+                        <a:cs typeface="OpenSymbol"/>
+                      </a:endParaRPr>
+                    </a:p>
+                    <a:p>
+                      <a:pPr marL="342900" lvl="0" indent="-342900">
+                        <a:spcAft>
+                          <a:spcPts val="0"/>
+                        </a:spcAft>
+                        <a:buFont typeface="Arial"/>
+                        <a:buChar char="•"/>
+                      </a:pPr>
+                      <a:r>
+                        <a:rPr lang="en-US" sz="1400" kern="150" dirty="0">
+                          <a:latin typeface="+mn-lt"/>
+                          <a:ea typeface="OpenSymbol"/>
+                          <a:cs typeface="OpenSymbol"/>
+                        </a:rPr>
+                        <a:t>The user is not in the pick up place when the taxi arrives. See the dedicated use case.</a:t>
+                      </a:r>
+                      <a:endParaRPr lang="it-IT" sz="1400" kern="150" dirty="0">
+                        <a:latin typeface="+mn-lt"/>
+                        <a:ea typeface="OpenSymbol"/>
+                        <a:cs typeface="OpenSymbol"/>
+                      </a:endParaRPr>
+                    </a:p>
+                  </a:txBody>
+                  <a:tcPr marL="27432" marR="27432" marT="27432" marB="27432">
+                    <a:lnL w="12700" cap="flat" cmpd="sng" algn="ctr">
+                      <a:solidFill>
+                        <a:srgbClr val="000000"/>
+                      </a:solidFill>
+                      <a:prstDash val="solid"/>
+                      <a:round/>
+                      <a:headEnd type="none" w="med" len="med"/>
+                      <a:tailEnd type="none" w="med" len="med"/>
+                    </a:lnL>
+                    <a:lnR w="12700" cap="flat" cmpd="sng" algn="ctr">
+                      <a:solidFill>
+                        <a:srgbClr val="000000"/>
+                      </a:solidFill>
+                      <a:prstDash val="solid"/>
+                      <a:round/>
+                      <a:headEnd type="none" w="med" len="med"/>
+                      <a:tailEnd type="none" w="med" len="med"/>
+                    </a:lnR>
+                    <a:lnT w="12700" cap="flat" cmpd="sng" algn="ctr">
+                      <a:solidFill>
+                        <a:srgbClr val="000000"/>
+                      </a:solidFill>
+                      <a:prstDash val="solid"/>
+                      <a:round/>
+                      <a:headEnd type="none" w="med" len="med"/>
+                      <a:tailEnd type="none" w="med" len="med"/>
+                    </a:lnT>
+                    <a:lnB w="12700" cap="flat" cmpd="sng" algn="ctr">
+                      <a:solidFill>
+                        <a:srgbClr val="000000"/>
+                      </a:solidFill>
+                      <a:prstDash val="solid"/>
+                      <a:round/>
+                      <a:headEnd type="none" w="med" len="med"/>
+                      <a:tailEnd type="none" w="med" len="med"/>
+                    </a:lnB>
+                  </a:tcPr>
+                </a:tc>
+              </a:tr>
+            </a:tbl>
+          </a:graphicData>
+        </a:graphic>
+      </p:graphicFrame>
     </p:spTree>
   </p:cSld>
   <p:clrMapOvr>
